--- a/docs/diagrams/UiComponentClassDiagram.pptx
+++ b/docs/diagrams/UiComponentClassDiagram.pptx
@@ -5,10 +5,11 @@
     <p:sldMasterId id="2147483648" r:id="rId1"/>
   </p:sldMasterIdLst>
   <p:notesMasterIdLst>
-    <p:notesMasterId r:id="rId3"/>
+    <p:notesMasterId r:id="rId4"/>
   </p:notesMasterIdLst>
   <p:sldIdLst>
     <p:sldId id="260" r:id="rId2"/>
+    <p:sldId id="262" r:id="rId3"/>
   </p:sldIdLst>
   <p:sldSz cx="9144000" cy="6858000" type="screen4x3"/>
   <p:notesSz cx="6858000" cy="9144000"/>
@@ -208,7 +209,7 @@
           <a:p>
             <a:fld id="{F5CC4B3F-88C1-4FFA-B1B6-F41C21DC6924}" type="datetimeFigureOut">
               <a:rPr lang="en-US" smtClean="0"/>
-              <a:t>1/7/2017</a:t>
+              <a:t>10/27/17</a:t>
             </a:fld>
             <a:endParaRPr lang="en-US"/>
           </a:p>
@@ -475,6 +476,90 @@
 </p:notesMaster>
 </file>
 
+<file path=ppt/notesSlides/notesSlide1.xml><?xml version="1.0" encoding="utf-8"?>
+<p:notes xmlns:a="http://schemas.openxmlformats.org/drawingml/2006/main" xmlns:r="http://schemas.openxmlformats.org/officeDocument/2006/relationships" xmlns:p="http://schemas.openxmlformats.org/presentationml/2006/main">
+  <p:cSld>
+    <p:spTree>
+      <p:nvGrpSpPr>
+        <p:cNvPr id="1" name=""/>
+        <p:cNvGrpSpPr/>
+        <p:nvPr/>
+      </p:nvGrpSpPr>
+      <p:grpSpPr>
+        <a:xfrm>
+          <a:off x="0" y="0"/>
+          <a:ext cx="0" cy="0"/>
+          <a:chOff x="0" y="0"/>
+          <a:chExt cx="0" cy="0"/>
+        </a:xfrm>
+      </p:grpSpPr>
+      <p:sp>
+        <p:nvSpPr>
+          <p:cNvPr id="2" name="Slide Image Placeholder 1"/>
+          <p:cNvSpPr>
+            <a:spLocks noGrp="1" noRot="1" noChangeAspect="1"/>
+          </p:cNvSpPr>
+          <p:nvPr>
+            <p:ph type="sldImg"/>
+          </p:nvPr>
+        </p:nvSpPr>
+        <p:spPr/>
+      </p:sp>
+      <p:sp>
+        <p:nvSpPr>
+          <p:cNvPr id="3" name="Notes Placeholder 2"/>
+          <p:cNvSpPr>
+            <a:spLocks noGrp="1"/>
+          </p:cNvSpPr>
+          <p:nvPr>
+            <p:ph type="body" idx="1"/>
+          </p:nvPr>
+        </p:nvSpPr>
+        <p:spPr/>
+        <p:txBody>
+          <a:bodyPr/>
+          <a:lstStyle/>
+          <a:p>
+            <a:endParaRPr lang="en-US" dirty="0"/>
+          </a:p>
+        </p:txBody>
+      </p:sp>
+      <p:sp>
+        <p:nvSpPr>
+          <p:cNvPr id="4" name="Slide Number Placeholder 3"/>
+          <p:cNvSpPr>
+            <a:spLocks noGrp="1"/>
+          </p:cNvSpPr>
+          <p:nvPr>
+            <p:ph type="sldNum" sz="quarter" idx="10"/>
+          </p:nvPr>
+        </p:nvSpPr>
+        <p:spPr/>
+        <p:txBody>
+          <a:bodyPr/>
+          <a:lstStyle/>
+          <a:p>
+            <a:fld id="{5A7AB025-77E3-4BD1-A2FD-B3183DBA47A3}" type="slidenum">
+              <a:rPr lang="en-US" smtClean="0"/>
+              <a:t>2</a:t>
+            </a:fld>
+            <a:endParaRPr lang="en-US"/>
+          </a:p>
+        </p:txBody>
+      </p:sp>
+    </p:spTree>
+    <p:extLst>
+      <p:ext uri="{BB962C8B-B14F-4D97-AF65-F5344CB8AC3E}">
+        <p14:creationId xmlns:p14="http://schemas.microsoft.com/office/powerpoint/2010/main" val="40473764"/>
+      </p:ext>
+    </p:extLst>
+  </p:cSld>
+  <p:clrMapOvr>
+    <a:masterClrMapping/>
+  </p:clrMapOvr>
+</p:notes>
+</file>
+
 <file path=ppt/slideLayouts/slideLayout1.xml><?xml version="1.0" encoding="utf-8"?>
 <p:sldLayout xmlns:a="http://schemas.openxmlformats.org/drawingml/2006/main" xmlns:r="http://schemas.openxmlformats.org/officeDocument/2006/relationships" xmlns:p="http://schemas.openxmlformats.org/presentationml/2006/main" type="title" preserve="1">
   <p:cSld name="Title Slide">
@@ -654,7 +739,7 @@
           <a:p>
             <a:fld id="{78C97017-6FC3-485B-9764-EAC9E56C1D49}" type="datetimeFigureOut">
               <a:rPr lang="en-US" smtClean="0"/>
-              <a:t>1/7/2017</a:t>
+              <a:t>10/27/17</a:t>
             </a:fld>
             <a:endParaRPr lang="en-US"/>
           </a:p>
@@ -822,7 +907,7 @@
           <a:p>
             <a:fld id="{78C97017-6FC3-485B-9764-EAC9E56C1D49}" type="datetimeFigureOut">
               <a:rPr lang="en-US" smtClean="0"/>
-              <a:t>1/7/2017</a:t>
+              <a:t>10/27/17</a:t>
             </a:fld>
             <a:endParaRPr lang="en-US"/>
           </a:p>
@@ -1000,7 +1085,7 @@
           <a:p>
             <a:fld id="{78C97017-6FC3-485B-9764-EAC9E56C1D49}" type="datetimeFigureOut">
               <a:rPr lang="en-US" smtClean="0"/>
-              <a:t>1/7/2017</a:t>
+              <a:t>10/27/17</a:t>
             </a:fld>
             <a:endParaRPr lang="en-US"/>
           </a:p>
@@ -1168,7 +1253,7 @@
           <a:p>
             <a:fld id="{78C97017-6FC3-485B-9764-EAC9E56C1D49}" type="datetimeFigureOut">
               <a:rPr lang="en-US" smtClean="0"/>
-              <a:t>1/7/2017</a:t>
+              <a:t>10/27/17</a:t>
             </a:fld>
             <a:endParaRPr lang="en-US"/>
           </a:p>
@@ -1413,7 +1498,7 @@
           <a:p>
             <a:fld id="{78C97017-6FC3-485B-9764-EAC9E56C1D49}" type="datetimeFigureOut">
               <a:rPr lang="en-US" smtClean="0"/>
-              <a:t>1/7/2017</a:t>
+              <a:t>10/27/17</a:t>
             </a:fld>
             <a:endParaRPr lang="en-US"/>
           </a:p>
@@ -1698,7 +1783,7 @@
           <a:p>
             <a:fld id="{78C97017-6FC3-485B-9764-EAC9E56C1D49}" type="datetimeFigureOut">
               <a:rPr lang="en-US" smtClean="0"/>
-              <a:t>1/7/2017</a:t>
+              <a:t>10/27/17</a:t>
             </a:fld>
             <a:endParaRPr lang="en-US"/>
           </a:p>
@@ -2117,7 +2202,7 @@
           <a:p>
             <a:fld id="{78C97017-6FC3-485B-9764-EAC9E56C1D49}" type="datetimeFigureOut">
               <a:rPr lang="en-US" smtClean="0"/>
-              <a:t>1/7/2017</a:t>
+              <a:t>10/27/17</a:t>
             </a:fld>
             <a:endParaRPr lang="en-US"/>
           </a:p>
@@ -2234,7 +2319,7 @@
           <a:p>
             <a:fld id="{78C97017-6FC3-485B-9764-EAC9E56C1D49}" type="datetimeFigureOut">
               <a:rPr lang="en-US" smtClean="0"/>
-              <a:t>1/7/2017</a:t>
+              <a:t>10/27/17</a:t>
             </a:fld>
             <a:endParaRPr lang="en-US"/>
           </a:p>
@@ -2329,7 +2414,7 @@
           <a:p>
             <a:fld id="{78C97017-6FC3-485B-9764-EAC9E56C1D49}" type="datetimeFigureOut">
               <a:rPr lang="en-US" smtClean="0"/>
-              <a:t>1/7/2017</a:t>
+              <a:t>10/27/17</a:t>
             </a:fld>
             <a:endParaRPr lang="en-US"/>
           </a:p>
@@ -2604,7 +2689,7 @@
           <a:p>
             <a:fld id="{78C97017-6FC3-485B-9764-EAC9E56C1D49}" type="datetimeFigureOut">
               <a:rPr lang="en-US" smtClean="0"/>
-              <a:t>1/7/2017</a:t>
+              <a:t>10/27/17</a:t>
             </a:fld>
             <a:endParaRPr lang="en-US"/>
           </a:p>
@@ -2856,7 +2941,7 @@
           <a:p>
             <a:fld id="{78C97017-6FC3-485B-9764-EAC9E56C1D49}" type="datetimeFigureOut">
               <a:rPr lang="en-US" smtClean="0"/>
-              <a:t>1/7/2017</a:t>
+              <a:t>10/27/17</a:t>
             </a:fld>
             <a:endParaRPr lang="en-US"/>
           </a:p>
@@ -3067,7 +3152,7 @@
           <a:p>
             <a:fld id="{78C97017-6FC3-485B-9764-EAC9E56C1D49}" type="datetimeFigureOut">
               <a:rPr lang="en-US" smtClean="0"/>
-              <a:t>1/7/2017</a:t>
+              <a:t>10/27/17</a:t>
             </a:fld>
             <a:endParaRPr lang="en-US"/>
           </a:p>
@@ -5509,10 +5594,2396 @@
           </a:p>
         </p:txBody>
       </p:sp>
+      <p:cxnSp>
+        <p:nvCxnSpPr>
+          <p:cNvPr id="5" name="Elbow Connector 4"/>
+          <p:cNvCxnSpPr/>
+          <p:nvPr/>
+        </p:nvCxnSpPr>
+        <p:spPr>
+          <a:xfrm>
+            <a:off x="2639660" y="2487764"/>
+            <a:ext cx="914400" cy="914400"/>
+          </a:xfrm>
+          <a:prstGeom prst="bentConnector3">
+            <a:avLst/>
+          </a:prstGeom>
+          <a:ln>
+            <a:tailEnd type="triangle"/>
+          </a:ln>
+        </p:spPr>
+        <p:style>
+          <a:lnRef idx="1">
+            <a:schemeClr val="accent1"/>
+          </a:lnRef>
+          <a:fillRef idx="0">
+            <a:schemeClr val="accent1"/>
+          </a:fillRef>
+          <a:effectRef idx="0">
+            <a:schemeClr val="accent1"/>
+          </a:effectRef>
+          <a:fontRef idx="minor">
+            <a:schemeClr val="tx1"/>
+          </a:fontRef>
+        </p:style>
+      </p:cxnSp>
     </p:spTree>
     <p:extLst>
       <p:ext uri="{BB962C8B-B14F-4D97-AF65-F5344CB8AC3E}">
         <p14:creationId xmlns:p14="http://schemas.microsoft.com/office/powerpoint/2010/main" val="2776882492"/>
+      </p:ext>
+    </p:extLst>
+  </p:cSld>
+  <p:clrMapOvr>
+    <a:masterClrMapping/>
+  </p:clrMapOvr>
+</p:sld>
+</file>
+
+<file path=ppt/slides/slide2.xml><?xml version="1.0" encoding="utf-8"?>
+<p:sld xmlns:a="http://schemas.openxmlformats.org/drawingml/2006/main" xmlns:r="http://schemas.openxmlformats.org/officeDocument/2006/relationships" xmlns:p="http://schemas.openxmlformats.org/presentationml/2006/main">
+  <p:cSld>
+    <p:spTree>
+      <p:nvGrpSpPr>
+        <p:cNvPr id="1" name=""/>
+        <p:cNvGrpSpPr/>
+        <p:nvPr/>
+      </p:nvGrpSpPr>
+      <p:grpSpPr>
+        <a:xfrm>
+          <a:off x="0" y="0"/>
+          <a:ext cx="0" cy="0"/>
+          <a:chOff x="0" y="0"/>
+          <a:chExt cx="0" cy="0"/>
+        </a:xfrm>
+      </p:grpSpPr>
+      <p:sp>
+        <p:nvSpPr>
+          <p:cNvPr id="3" name="Rounded Rectangle 2"/>
+          <p:cNvSpPr/>
+          <p:nvPr/>
+        </p:nvSpPr>
+        <p:spPr>
+          <a:xfrm>
+            <a:off x="533400" y="304800"/>
+            <a:ext cx="7239000" cy="6248400"/>
+          </a:xfrm>
+          <a:prstGeom prst="roundRect">
+            <a:avLst>
+              <a:gd name="adj" fmla="val 4415"/>
+            </a:avLst>
+          </a:prstGeom>
+          <a:solidFill>
+            <a:schemeClr val="accent3">
+              <a:lumMod val="20000"/>
+              <a:lumOff val="80000"/>
+            </a:schemeClr>
+          </a:solidFill>
+          <a:ln>
+            <a:solidFill>
+              <a:schemeClr val="accent3">
+                <a:lumMod val="20000"/>
+                <a:lumOff val="80000"/>
+              </a:schemeClr>
+            </a:solidFill>
+          </a:ln>
+        </p:spPr>
+        <p:style>
+          <a:lnRef idx="2">
+            <a:schemeClr val="accent1">
+              <a:shade val="50000"/>
+            </a:schemeClr>
+          </a:lnRef>
+          <a:fillRef idx="1">
+            <a:schemeClr val="accent1"/>
+          </a:fillRef>
+          <a:effectRef idx="0">
+            <a:schemeClr val="accent1"/>
+          </a:effectRef>
+          <a:fontRef idx="minor">
+            <a:schemeClr val="lt1"/>
+          </a:fontRef>
+        </p:style>
+        <p:txBody>
+          <a:bodyPr rtlCol="0" anchor="t"/>
+          <a:lstStyle/>
+          <a:p>
+            <a:r>
+              <a:rPr lang="en-US" dirty="0" smtClean="0">
+                <a:solidFill>
+                  <a:schemeClr val="accent3">
+                    <a:lumMod val="75000"/>
+                  </a:schemeClr>
+                </a:solidFill>
+              </a:rPr>
+              <a:t>UI</a:t>
+            </a:r>
+            <a:endParaRPr lang="en-US" dirty="0">
+              <a:solidFill>
+                <a:schemeClr val="accent3">
+                  <a:lumMod val="75000"/>
+                </a:schemeClr>
+              </a:solidFill>
+            </a:endParaRPr>
+          </a:p>
+        </p:txBody>
+      </p:sp>
+      <p:sp>
+        <p:nvSpPr>
+          <p:cNvPr id="4" name="Rectangle 3"/>
+          <p:cNvSpPr/>
+          <p:nvPr/>
+        </p:nvSpPr>
+        <p:spPr>
+          <a:xfrm rot="16200000">
+            <a:off x="457200" y="2362200"/>
+            <a:ext cx="1524000" cy="609600"/>
+          </a:xfrm>
+          <a:prstGeom prst="rect">
+            <a:avLst/>
+          </a:prstGeom>
+          <a:solidFill>
+            <a:srgbClr val="00B050"/>
+          </a:solidFill>
+          <a:ln>
+            <a:solidFill>
+              <a:srgbClr val="00B050"/>
+            </a:solidFill>
+          </a:ln>
+        </p:spPr>
+        <p:style>
+          <a:lnRef idx="2">
+            <a:schemeClr val="accent1">
+              <a:shade val="50000"/>
+            </a:schemeClr>
+          </a:lnRef>
+          <a:fillRef idx="1">
+            <a:schemeClr val="accent1"/>
+          </a:fillRef>
+          <a:effectRef idx="0">
+            <a:schemeClr val="accent1"/>
+          </a:effectRef>
+          <a:fontRef idx="minor">
+            <a:schemeClr val="lt1"/>
+          </a:fontRef>
+        </p:style>
+        <p:txBody>
+          <a:bodyPr rtlCol="0" anchor="ctr"/>
+          <a:lstStyle/>
+          <a:p>
+            <a:pPr algn="ctr"/>
+            <a:r>
+              <a:rPr lang="en-US" sz="1600" dirty="0" smtClean="0"/>
+              <a:t>&lt;&lt;Interface&gt;&gt;</a:t>
+            </a:r>
+          </a:p>
+          <a:p>
+            <a:pPr algn="ctr"/>
+            <a:r>
+              <a:rPr lang="en-US" sz="1600" dirty="0" smtClean="0"/>
+              <a:t>UI</a:t>
+            </a:r>
+            <a:endParaRPr lang="en-US" sz="1600" dirty="0"/>
+          </a:p>
+        </p:txBody>
+      </p:sp>
+      <p:sp>
+        <p:nvSpPr>
+          <p:cNvPr id="5" name="Rectangle 4"/>
+          <p:cNvSpPr/>
+          <p:nvPr/>
+        </p:nvSpPr>
+        <p:spPr>
+          <a:xfrm>
+            <a:off x="1828800" y="838200"/>
+            <a:ext cx="1371600" cy="381000"/>
+          </a:xfrm>
+          <a:prstGeom prst="rect">
+            <a:avLst/>
+          </a:prstGeom>
+          <a:solidFill>
+            <a:srgbClr val="00B050"/>
+          </a:solidFill>
+          <a:ln>
+            <a:solidFill>
+              <a:srgbClr val="00B050"/>
+            </a:solidFill>
+          </a:ln>
+        </p:spPr>
+        <p:style>
+          <a:lnRef idx="2">
+            <a:schemeClr val="accent1">
+              <a:shade val="50000"/>
+            </a:schemeClr>
+          </a:lnRef>
+          <a:fillRef idx="1">
+            <a:schemeClr val="accent1"/>
+          </a:fillRef>
+          <a:effectRef idx="0">
+            <a:schemeClr val="accent1"/>
+          </a:effectRef>
+          <a:fontRef idx="minor">
+            <a:schemeClr val="lt1"/>
+          </a:fontRef>
+        </p:style>
+        <p:txBody>
+          <a:bodyPr rtlCol="0" anchor="ctr"/>
+          <a:lstStyle/>
+          <a:p>
+            <a:pPr algn="ctr"/>
+            <a:r>
+              <a:rPr lang="en-US" sz="1600" dirty="0" err="1" smtClean="0"/>
+              <a:t>UiManager</a:t>
+            </a:r>
+            <a:endParaRPr lang="en-US" sz="1600" dirty="0"/>
+          </a:p>
+        </p:txBody>
+      </p:sp>
+      <p:sp>
+        <p:nvSpPr>
+          <p:cNvPr id="6" name="Rectangle 5"/>
+          <p:cNvSpPr/>
+          <p:nvPr/>
+        </p:nvSpPr>
+        <p:spPr>
+          <a:xfrm>
+            <a:off x="1828800" y="1600200"/>
+            <a:ext cx="1371600" cy="457200"/>
+          </a:xfrm>
+          <a:prstGeom prst="rect">
+            <a:avLst/>
+          </a:prstGeom>
+          <a:solidFill>
+            <a:schemeClr val="accent3">
+              <a:lumMod val="40000"/>
+              <a:lumOff val="60000"/>
+            </a:schemeClr>
+          </a:solidFill>
+          <a:ln>
+            <a:solidFill>
+              <a:schemeClr val="accent3">
+                <a:lumMod val="75000"/>
+              </a:schemeClr>
+            </a:solidFill>
+          </a:ln>
+        </p:spPr>
+        <p:style>
+          <a:lnRef idx="2">
+            <a:schemeClr val="accent1">
+              <a:shade val="50000"/>
+            </a:schemeClr>
+          </a:lnRef>
+          <a:fillRef idx="1">
+            <a:schemeClr val="accent1"/>
+          </a:fillRef>
+          <a:effectRef idx="0">
+            <a:schemeClr val="accent1"/>
+          </a:effectRef>
+          <a:fontRef idx="minor">
+            <a:schemeClr val="lt1"/>
+          </a:fontRef>
+        </p:style>
+        <p:txBody>
+          <a:bodyPr rtlCol="0" anchor="ctr"/>
+          <a:lstStyle/>
+          <a:p>
+            <a:pPr algn="ctr"/>
+            <a:r>
+              <a:rPr lang="en-US" sz="1600" dirty="0" err="1" smtClean="0">
+                <a:solidFill>
+                  <a:schemeClr val="accent3">
+                    <a:lumMod val="50000"/>
+                  </a:schemeClr>
+                </a:solidFill>
+              </a:rPr>
+              <a:t>MainWindow</a:t>
+            </a:r>
+            <a:endParaRPr lang="en-US" sz="1600" dirty="0">
+              <a:solidFill>
+                <a:schemeClr val="accent3">
+                  <a:lumMod val="50000"/>
+                </a:schemeClr>
+              </a:solidFill>
+            </a:endParaRPr>
+          </a:p>
+        </p:txBody>
+      </p:sp>
+      <p:sp>
+        <p:nvSpPr>
+          <p:cNvPr id="7" name="Rectangle 6"/>
+          <p:cNvSpPr/>
+          <p:nvPr/>
+        </p:nvSpPr>
+        <p:spPr>
+          <a:xfrm>
+            <a:off x="2514600" y="2400300"/>
+            <a:ext cx="1447800" cy="381000"/>
+          </a:xfrm>
+          <a:prstGeom prst="rect">
+            <a:avLst/>
+          </a:prstGeom>
+          <a:solidFill>
+            <a:schemeClr val="accent3">
+              <a:lumMod val="40000"/>
+              <a:lumOff val="60000"/>
+            </a:schemeClr>
+          </a:solidFill>
+          <a:ln>
+            <a:solidFill>
+              <a:schemeClr val="accent3">
+                <a:lumMod val="75000"/>
+              </a:schemeClr>
+            </a:solidFill>
+          </a:ln>
+        </p:spPr>
+        <p:style>
+          <a:lnRef idx="2">
+            <a:schemeClr val="accent1">
+              <a:shade val="50000"/>
+            </a:schemeClr>
+          </a:lnRef>
+          <a:fillRef idx="1">
+            <a:schemeClr val="accent1"/>
+          </a:fillRef>
+          <a:effectRef idx="0">
+            <a:schemeClr val="accent1"/>
+          </a:effectRef>
+          <a:fontRef idx="minor">
+            <a:schemeClr val="lt1"/>
+          </a:fontRef>
+        </p:style>
+        <p:txBody>
+          <a:bodyPr rtlCol="0" anchor="ctr"/>
+          <a:lstStyle/>
+          <a:p>
+            <a:pPr algn="ctr"/>
+            <a:r>
+              <a:rPr lang="en-US" sz="1400" dirty="0" err="1" smtClean="0">
+                <a:solidFill>
+                  <a:schemeClr val="accent3">
+                    <a:lumMod val="50000"/>
+                  </a:schemeClr>
+                </a:solidFill>
+              </a:rPr>
+              <a:t>CommandBox</a:t>
+            </a:r>
+            <a:endParaRPr lang="en-US" sz="1400" dirty="0">
+              <a:solidFill>
+                <a:schemeClr val="accent3">
+                  <a:lumMod val="50000"/>
+                </a:schemeClr>
+              </a:solidFill>
+            </a:endParaRPr>
+          </a:p>
+        </p:txBody>
+      </p:sp>
+      <p:sp>
+        <p:nvSpPr>
+          <p:cNvPr id="8" name="Rectangle 7"/>
+          <p:cNvSpPr/>
+          <p:nvPr/>
+        </p:nvSpPr>
+        <p:spPr>
+          <a:xfrm>
+            <a:off x="2514600" y="2971800"/>
+            <a:ext cx="1447800" cy="381000"/>
+          </a:xfrm>
+          <a:prstGeom prst="rect">
+            <a:avLst/>
+          </a:prstGeom>
+          <a:solidFill>
+            <a:schemeClr val="accent3">
+              <a:lumMod val="40000"/>
+              <a:lumOff val="60000"/>
+            </a:schemeClr>
+          </a:solidFill>
+          <a:ln>
+            <a:solidFill>
+              <a:schemeClr val="accent3">
+                <a:lumMod val="75000"/>
+              </a:schemeClr>
+            </a:solidFill>
+          </a:ln>
+        </p:spPr>
+        <p:style>
+          <a:lnRef idx="2">
+            <a:schemeClr val="accent1">
+              <a:shade val="50000"/>
+            </a:schemeClr>
+          </a:lnRef>
+          <a:fillRef idx="1">
+            <a:schemeClr val="accent1"/>
+          </a:fillRef>
+          <a:effectRef idx="0">
+            <a:schemeClr val="accent1"/>
+          </a:effectRef>
+          <a:fontRef idx="minor">
+            <a:schemeClr val="lt1"/>
+          </a:fontRef>
+        </p:style>
+        <p:txBody>
+          <a:bodyPr rtlCol="0" anchor="ctr"/>
+          <a:lstStyle/>
+          <a:p>
+            <a:pPr algn="ctr"/>
+            <a:r>
+              <a:rPr lang="en-US" sz="1400" dirty="0" err="1" smtClean="0">
+                <a:solidFill>
+                  <a:schemeClr val="accent3">
+                    <a:lumMod val="50000"/>
+                  </a:schemeClr>
+                </a:solidFill>
+              </a:rPr>
+              <a:t>ResultDisplay</a:t>
+            </a:r>
+            <a:endParaRPr lang="en-US" sz="1400" dirty="0">
+              <a:solidFill>
+                <a:schemeClr val="accent3">
+                  <a:lumMod val="50000"/>
+                </a:schemeClr>
+              </a:solidFill>
+            </a:endParaRPr>
+          </a:p>
+        </p:txBody>
+      </p:sp>
+      <p:sp>
+        <p:nvSpPr>
+          <p:cNvPr id="9" name="Rectangle 8"/>
+          <p:cNvSpPr/>
+          <p:nvPr/>
+        </p:nvSpPr>
+        <p:spPr>
+          <a:xfrm>
+            <a:off x="2514600" y="3505200"/>
+            <a:ext cx="1447800" cy="381000"/>
+          </a:xfrm>
+          <a:prstGeom prst="rect">
+            <a:avLst/>
+          </a:prstGeom>
+          <a:solidFill>
+            <a:schemeClr val="accent3">
+              <a:lumMod val="40000"/>
+              <a:lumOff val="60000"/>
+            </a:schemeClr>
+          </a:solidFill>
+          <a:ln>
+            <a:solidFill>
+              <a:schemeClr val="accent3">
+                <a:lumMod val="75000"/>
+              </a:schemeClr>
+            </a:solidFill>
+          </a:ln>
+        </p:spPr>
+        <p:style>
+          <a:lnRef idx="2">
+            <a:schemeClr val="accent1">
+              <a:shade val="50000"/>
+            </a:schemeClr>
+          </a:lnRef>
+          <a:fillRef idx="1">
+            <a:schemeClr val="accent1"/>
+          </a:fillRef>
+          <a:effectRef idx="0">
+            <a:schemeClr val="accent1"/>
+          </a:effectRef>
+          <a:fontRef idx="minor">
+            <a:schemeClr val="lt1"/>
+          </a:fontRef>
+        </p:style>
+        <p:txBody>
+          <a:bodyPr rtlCol="0" anchor="ctr"/>
+          <a:lstStyle/>
+          <a:p>
+            <a:pPr algn="ctr"/>
+            <a:r>
+              <a:rPr lang="en-US" sz="1400" dirty="0" err="1" smtClean="0">
+                <a:solidFill>
+                  <a:schemeClr val="accent3">
+                    <a:lumMod val="50000"/>
+                  </a:schemeClr>
+                </a:solidFill>
+              </a:rPr>
+              <a:t>BrowserPanel</a:t>
+            </a:r>
+            <a:endParaRPr lang="en-US" sz="1400" dirty="0">
+              <a:solidFill>
+                <a:schemeClr val="accent3">
+                  <a:lumMod val="50000"/>
+                </a:schemeClr>
+              </a:solidFill>
+            </a:endParaRPr>
+          </a:p>
+        </p:txBody>
+      </p:sp>
+      <p:sp>
+        <p:nvSpPr>
+          <p:cNvPr id="10" name="Rectangle 9"/>
+          <p:cNvSpPr/>
+          <p:nvPr/>
+        </p:nvSpPr>
+        <p:spPr>
+          <a:xfrm>
+            <a:off x="2514600" y="4267200"/>
+            <a:ext cx="1447800" cy="381000"/>
+          </a:xfrm>
+          <a:prstGeom prst="rect">
+            <a:avLst/>
+          </a:prstGeom>
+          <a:solidFill>
+            <a:schemeClr val="accent3">
+              <a:lumMod val="40000"/>
+              <a:lumOff val="60000"/>
+            </a:schemeClr>
+          </a:solidFill>
+          <a:ln>
+            <a:solidFill>
+              <a:schemeClr val="accent3">
+                <a:lumMod val="75000"/>
+              </a:schemeClr>
+            </a:solidFill>
+          </a:ln>
+        </p:spPr>
+        <p:style>
+          <a:lnRef idx="2">
+            <a:schemeClr val="accent1">
+              <a:shade val="50000"/>
+            </a:schemeClr>
+          </a:lnRef>
+          <a:fillRef idx="1">
+            <a:schemeClr val="accent1"/>
+          </a:fillRef>
+          <a:effectRef idx="0">
+            <a:schemeClr val="accent1"/>
+          </a:effectRef>
+          <a:fontRef idx="minor">
+            <a:schemeClr val="lt1"/>
+          </a:fontRef>
+        </p:style>
+        <p:txBody>
+          <a:bodyPr rtlCol="0" anchor="ctr"/>
+          <a:lstStyle/>
+          <a:p>
+            <a:pPr algn="ctr"/>
+            <a:r>
+              <a:rPr lang="en-US" sz="1400" smtClean="0">
+                <a:solidFill>
+                  <a:schemeClr val="accent3">
+                    <a:lumMod val="50000"/>
+                  </a:schemeClr>
+                </a:solidFill>
+              </a:rPr>
+              <a:t>LeftDisplayPanel</a:t>
+            </a:r>
+            <a:endParaRPr lang="en-US" sz="1400" dirty="0">
+              <a:solidFill>
+                <a:schemeClr val="accent3">
+                  <a:lumMod val="50000"/>
+                </a:schemeClr>
+              </a:solidFill>
+            </a:endParaRPr>
+          </a:p>
+        </p:txBody>
+      </p:sp>
+      <p:sp>
+        <p:nvSpPr>
+          <p:cNvPr id="11" name="Rectangle 10"/>
+          <p:cNvSpPr/>
+          <p:nvPr/>
+        </p:nvSpPr>
+        <p:spPr>
+          <a:xfrm>
+            <a:off x="2514600" y="5466019"/>
+            <a:ext cx="1447800" cy="381000"/>
+          </a:xfrm>
+          <a:prstGeom prst="rect">
+            <a:avLst/>
+          </a:prstGeom>
+          <a:solidFill>
+            <a:schemeClr val="accent3">
+              <a:lumMod val="40000"/>
+              <a:lumOff val="60000"/>
+            </a:schemeClr>
+          </a:solidFill>
+          <a:ln>
+            <a:solidFill>
+              <a:schemeClr val="accent3">
+                <a:lumMod val="75000"/>
+              </a:schemeClr>
+            </a:solidFill>
+          </a:ln>
+        </p:spPr>
+        <p:style>
+          <a:lnRef idx="2">
+            <a:schemeClr val="accent1">
+              <a:shade val="50000"/>
+            </a:schemeClr>
+          </a:lnRef>
+          <a:fillRef idx="1">
+            <a:schemeClr val="accent1"/>
+          </a:fillRef>
+          <a:effectRef idx="0">
+            <a:schemeClr val="accent1"/>
+          </a:effectRef>
+          <a:fontRef idx="minor">
+            <a:schemeClr val="lt1"/>
+          </a:fontRef>
+        </p:style>
+        <p:txBody>
+          <a:bodyPr rtlCol="0" anchor="ctr"/>
+          <a:lstStyle/>
+          <a:p>
+            <a:pPr algn="ctr"/>
+            <a:r>
+              <a:rPr lang="en-US" sz="1400" dirty="0" err="1" smtClean="0">
+                <a:solidFill>
+                  <a:schemeClr val="accent3">
+                    <a:lumMod val="50000"/>
+                  </a:schemeClr>
+                </a:solidFill>
+              </a:rPr>
+              <a:t>StatusBarFooter</a:t>
+            </a:r>
+            <a:endParaRPr lang="en-US" sz="1400" dirty="0">
+              <a:solidFill>
+                <a:schemeClr val="accent3">
+                  <a:lumMod val="50000"/>
+                </a:schemeClr>
+              </a:solidFill>
+            </a:endParaRPr>
+          </a:p>
+        </p:txBody>
+      </p:sp>
+      <p:sp>
+        <p:nvSpPr>
+          <p:cNvPr id="12" name="Rectangle 11"/>
+          <p:cNvSpPr/>
+          <p:nvPr/>
+        </p:nvSpPr>
+        <p:spPr>
+          <a:xfrm>
+            <a:off x="2514600" y="6019800"/>
+            <a:ext cx="1447800" cy="381000"/>
+          </a:xfrm>
+          <a:prstGeom prst="rect">
+            <a:avLst/>
+          </a:prstGeom>
+          <a:solidFill>
+            <a:schemeClr val="accent3">
+              <a:lumMod val="40000"/>
+              <a:lumOff val="60000"/>
+            </a:schemeClr>
+          </a:solidFill>
+          <a:ln>
+            <a:solidFill>
+              <a:schemeClr val="accent3">
+                <a:lumMod val="75000"/>
+              </a:schemeClr>
+            </a:solidFill>
+          </a:ln>
+        </p:spPr>
+        <p:style>
+          <a:lnRef idx="2">
+            <a:schemeClr val="accent1">
+              <a:shade val="50000"/>
+            </a:schemeClr>
+          </a:lnRef>
+          <a:fillRef idx="1">
+            <a:schemeClr val="accent1"/>
+          </a:fillRef>
+          <a:effectRef idx="0">
+            <a:schemeClr val="accent1"/>
+          </a:effectRef>
+          <a:fontRef idx="minor">
+            <a:schemeClr val="lt1"/>
+          </a:fontRef>
+        </p:style>
+        <p:txBody>
+          <a:bodyPr rtlCol="0" anchor="ctr"/>
+          <a:lstStyle/>
+          <a:p>
+            <a:pPr algn="ctr"/>
+            <a:r>
+              <a:rPr lang="en-US" sz="1400" dirty="0" err="1" smtClean="0">
+                <a:solidFill>
+                  <a:schemeClr val="accent3">
+                    <a:lumMod val="50000"/>
+                  </a:schemeClr>
+                </a:solidFill>
+              </a:rPr>
+              <a:t>HelpWindow</a:t>
+            </a:r>
+            <a:endParaRPr lang="en-US" sz="1400" dirty="0">
+              <a:solidFill>
+                <a:schemeClr val="accent3">
+                  <a:lumMod val="50000"/>
+                </a:schemeClr>
+              </a:solidFill>
+            </a:endParaRPr>
+          </a:p>
+        </p:txBody>
+      </p:sp>
+      <p:sp>
+        <p:nvSpPr>
+          <p:cNvPr id="13" name="Rectangle 12"/>
+          <p:cNvSpPr/>
+          <p:nvPr/>
+        </p:nvSpPr>
+        <p:spPr>
+          <a:xfrm>
+            <a:off x="4495800" y="4038600"/>
+            <a:ext cx="1447800" cy="381000"/>
+          </a:xfrm>
+          <a:prstGeom prst="rect">
+            <a:avLst/>
+          </a:prstGeom>
+          <a:solidFill>
+            <a:schemeClr val="accent3">
+              <a:lumMod val="40000"/>
+              <a:lumOff val="60000"/>
+            </a:schemeClr>
+          </a:solidFill>
+          <a:ln>
+            <a:solidFill>
+              <a:schemeClr val="accent3">
+                <a:lumMod val="75000"/>
+              </a:schemeClr>
+            </a:solidFill>
+          </a:ln>
+        </p:spPr>
+        <p:style>
+          <a:lnRef idx="2">
+            <a:schemeClr val="accent1">
+              <a:shade val="50000"/>
+            </a:schemeClr>
+          </a:lnRef>
+          <a:fillRef idx="1">
+            <a:schemeClr val="accent1"/>
+          </a:fillRef>
+          <a:effectRef idx="0">
+            <a:schemeClr val="accent1"/>
+          </a:effectRef>
+          <a:fontRef idx="minor">
+            <a:schemeClr val="lt1"/>
+          </a:fontRef>
+        </p:style>
+        <p:txBody>
+          <a:bodyPr rtlCol="0" anchor="ctr"/>
+          <a:lstStyle/>
+          <a:p>
+            <a:pPr algn="ctr"/>
+            <a:r>
+              <a:rPr lang="en-US" sz="1400" dirty="0" err="1" smtClean="0">
+                <a:solidFill>
+                  <a:schemeClr val="accent3">
+                    <a:lumMod val="50000"/>
+                  </a:schemeClr>
+                </a:solidFill>
+              </a:rPr>
+              <a:t>MessageDisplay</a:t>
+            </a:r>
+            <a:endParaRPr lang="en-US" sz="1400" dirty="0">
+              <a:solidFill>
+                <a:schemeClr val="accent3">
+                  <a:lumMod val="50000"/>
+                </a:schemeClr>
+              </a:solidFill>
+            </a:endParaRPr>
+          </a:p>
+        </p:txBody>
+      </p:sp>
+      <p:sp>
+        <p:nvSpPr>
+          <p:cNvPr id="14" name="Rectangle 13"/>
+          <p:cNvSpPr/>
+          <p:nvPr/>
+        </p:nvSpPr>
+        <p:spPr>
+          <a:xfrm>
+            <a:off x="4495800" y="4533900"/>
+            <a:ext cx="1447800" cy="381000"/>
+          </a:xfrm>
+          <a:prstGeom prst="rect">
+            <a:avLst/>
+          </a:prstGeom>
+          <a:solidFill>
+            <a:schemeClr val="accent3">
+              <a:lumMod val="40000"/>
+              <a:lumOff val="60000"/>
+            </a:schemeClr>
+          </a:solidFill>
+          <a:ln>
+            <a:solidFill>
+              <a:schemeClr val="accent3">
+                <a:lumMod val="75000"/>
+              </a:schemeClr>
+            </a:solidFill>
+          </a:ln>
+        </p:spPr>
+        <p:style>
+          <a:lnRef idx="2">
+            <a:schemeClr val="accent1">
+              <a:shade val="50000"/>
+            </a:schemeClr>
+          </a:lnRef>
+          <a:fillRef idx="1">
+            <a:schemeClr val="accent1"/>
+          </a:fillRef>
+          <a:effectRef idx="0">
+            <a:schemeClr val="accent1"/>
+          </a:effectRef>
+          <a:fontRef idx="minor">
+            <a:schemeClr val="lt1"/>
+          </a:fontRef>
+        </p:style>
+        <p:txBody>
+          <a:bodyPr rtlCol="0" anchor="ctr"/>
+          <a:lstStyle/>
+          <a:p>
+            <a:pPr algn="ctr"/>
+            <a:r>
+              <a:rPr lang="en-US" sz="1400" dirty="0" err="1" smtClean="0">
+                <a:solidFill>
+                  <a:schemeClr val="accent3">
+                    <a:lumMod val="50000"/>
+                  </a:schemeClr>
+                </a:solidFill>
+              </a:rPr>
+              <a:t>PersonListPanel</a:t>
+            </a:r>
+            <a:endParaRPr lang="en-US" sz="1400" dirty="0">
+              <a:solidFill>
+                <a:schemeClr val="accent3">
+                  <a:lumMod val="50000"/>
+                </a:schemeClr>
+              </a:solidFill>
+            </a:endParaRPr>
+          </a:p>
+        </p:txBody>
+      </p:sp>
+      <p:sp>
+        <p:nvSpPr>
+          <p:cNvPr id="15" name="Rectangle 14"/>
+          <p:cNvSpPr/>
+          <p:nvPr/>
+        </p:nvSpPr>
+        <p:spPr>
+          <a:xfrm>
+            <a:off x="5715000" y="5029200"/>
+            <a:ext cx="1143000" cy="381000"/>
+          </a:xfrm>
+          <a:prstGeom prst="rect">
+            <a:avLst/>
+          </a:prstGeom>
+          <a:solidFill>
+            <a:schemeClr val="accent3">
+              <a:lumMod val="40000"/>
+              <a:lumOff val="60000"/>
+            </a:schemeClr>
+          </a:solidFill>
+          <a:ln>
+            <a:solidFill>
+              <a:schemeClr val="accent3">
+                <a:lumMod val="75000"/>
+              </a:schemeClr>
+            </a:solidFill>
+          </a:ln>
+        </p:spPr>
+        <p:style>
+          <a:lnRef idx="2">
+            <a:schemeClr val="accent1">
+              <a:shade val="50000"/>
+            </a:schemeClr>
+          </a:lnRef>
+          <a:fillRef idx="1">
+            <a:schemeClr val="accent1"/>
+          </a:fillRef>
+          <a:effectRef idx="0">
+            <a:schemeClr val="accent1"/>
+          </a:effectRef>
+          <a:fontRef idx="minor">
+            <a:schemeClr val="lt1"/>
+          </a:fontRef>
+        </p:style>
+        <p:txBody>
+          <a:bodyPr rtlCol="0" anchor="ctr"/>
+          <a:lstStyle/>
+          <a:p>
+            <a:pPr algn="ctr"/>
+            <a:r>
+              <a:rPr lang="en-US" sz="1400" dirty="0" err="1" smtClean="0">
+                <a:solidFill>
+                  <a:schemeClr val="accent3">
+                    <a:lumMod val="50000"/>
+                  </a:schemeClr>
+                </a:solidFill>
+              </a:rPr>
+              <a:t>PersonCard</a:t>
+            </a:r>
+            <a:endParaRPr lang="en-US" sz="1400" dirty="0">
+              <a:solidFill>
+                <a:schemeClr val="accent3">
+                  <a:lumMod val="50000"/>
+                </a:schemeClr>
+              </a:solidFill>
+            </a:endParaRPr>
+          </a:p>
+        </p:txBody>
+      </p:sp>
+      <p:sp>
+        <p:nvSpPr>
+          <p:cNvPr id="16" name="Rectangle 15"/>
+          <p:cNvSpPr/>
+          <p:nvPr/>
+        </p:nvSpPr>
+        <p:spPr>
+          <a:xfrm>
+            <a:off x="6553200" y="835923"/>
+            <a:ext cx="1143000" cy="497577"/>
+          </a:xfrm>
+          <a:prstGeom prst="rect">
+            <a:avLst/>
+          </a:prstGeom>
+          <a:solidFill>
+            <a:schemeClr val="accent3">
+              <a:lumMod val="40000"/>
+              <a:lumOff val="60000"/>
+            </a:schemeClr>
+          </a:solidFill>
+          <a:ln>
+            <a:solidFill>
+              <a:schemeClr val="accent3">
+                <a:lumMod val="75000"/>
+              </a:schemeClr>
+            </a:solidFill>
+          </a:ln>
+        </p:spPr>
+        <p:style>
+          <a:lnRef idx="2">
+            <a:schemeClr val="accent1">
+              <a:shade val="50000"/>
+            </a:schemeClr>
+          </a:lnRef>
+          <a:fillRef idx="1">
+            <a:schemeClr val="accent1"/>
+          </a:fillRef>
+          <a:effectRef idx="0">
+            <a:schemeClr val="accent1"/>
+          </a:effectRef>
+          <a:fontRef idx="minor">
+            <a:schemeClr val="lt1"/>
+          </a:fontRef>
+        </p:style>
+        <p:txBody>
+          <a:bodyPr rtlCol="0" anchor="ctr"/>
+          <a:lstStyle/>
+          <a:p>
+            <a:pPr algn="ctr"/>
+            <a:r>
+              <a:rPr lang="en-US" sz="1600" dirty="0" smtClean="0">
+                <a:solidFill>
+                  <a:schemeClr val="accent3">
+                    <a:lumMod val="50000"/>
+                  </a:schemeClr>
+                </a:solidFill>
+              </a:rPr>
+              <a:t>{abstract}</a:t>
+            </a:r>
+          </a:p>
+          <a:p>
+            <a:pPr algn="ctr"/>
+            <a:r>
+              <a:rPr lang="en-US" sz="1600" dirty="0" err="1" smtClean="0">
+                <a:solidFill>
+                  <a:schemeClr val="accent3">
+                    <a:lumMod val="50000"/>
+                  </a:schemeClr>
+                </a:solidFill>
+              </a:rPr>
+              <a:t>UiPart</a:t>
+            </a:r>
+            <a:endParaRPr lang="en-US" sz="1600" dirty="0">
+              <a:solidFill>
+                <a:schemeClr val="accent3">
+                  <a:lumMod val="50000"/>
+                </a:schemeClr>
+              </a:solidFill>
+            </a:endParaRPr>
+          </a:p>
+        </p:txBody>
+      </p:sp>
+      <p:sp>
+        <p:nvSpPr>
+          <p:cNvPr id="17" name="Rectangle 65"/>
+          <p:cNvSpPr/>
+          <p:nvPr/>
+        </p:nvSpPr>
+        <p:spPr>
+          <a:xfrm rot="16200000">
+            <a:off x="6242588" y="2051589"/>
+            <a:ext cx="4114800" cy="621222"/>
+          </a:xfrm>
+          <a:prstGeom prst="roundRect">
+            <a:avLst/>
+          </a:prstGeom>
+          <a:solidFill>
+            <a:schemeClr val="accent1">
+              <a:lumMod val="20000"/>
+              <a:lumOff val="80000"/>
+            </a:schemeClr>
+          </a:solidFill>
+          <a:ln w="19050">
+            <a:noFill/>
+          </a:ln>
+          <a:effectLst/>
+        </p:spPr>
+        <p:style>
+          <a:lnRef idx="1">
+            <a:schemeClr val="accent2"/>
+          </a:lnRef>
+          <a:fillRef idx="2">
+            <a:schemeClr val="accent2"/>
+          </a:fillRef>
+          <a:effectRef idx="1">
+            <a:schemeClr val="accent2"/>
+          </a:effectRef>
+          <a:fontRef idx="minor">
+            <a:schemeClr val="dk1"/>
+          </a:fontRef>
+        </p:style>
+        <p:txBody>
+          <a:bodyPr rtlCol="0" anchor="ctr"/>
+          <a:lstStyle/>
+          <a:p>
+            <a:pPr algn="ctr"/>
+            <a:r>
+              <a:rPr lang="en-US" sz="1100" b="1" dirty="0">
+                <a:solidFill>
+                  <a:schemeClr val="bg1"/>
+                </a:solidFill>
+              </a:rPr>
+              <a:t>Logic</a:t>
+            </a:r>
+            <a:endParaRPr lang="en-SG" sz="1100" b="1" dirty="0">
+              <a:solidFill>
+                <a:schemeClr val="bg1"/>
+              </a:solidFill>
+            </a:endParaRPr>
+          </a:p>
+        </p:txBody>
+      </p:sp>
+      <p:sp>
+        <p:nvSpPr>
+          <p:cNvPr id="18" name="Rectangle 65"/>
+          <p:cNvSpPr/>
+          <p:nvPr/>
+        </p:nvSpPr>
+        <p:spPr>
+          <a:xfrm rot="16200000">
+            <a:off x="7423689" y="5213887"/>
+            <a:ext cx="1752598" cy="621223"/>
+          </a:xfrm>
+          <a:prstGeom prst="roundRect">
+            <a:avLst/>
+          </a:prstGeom>
+          <a:solidFill>
+            <a:schemeClr val="accent4">
+              <a:lumMod val="20000"/>
+              <a:lumOff val="80000"/>
+            </a:schemeClr>
+          </a:solidFill>
+          <a:ln w="19050">
+            <a:noFill/>
+          </a:ln>
+          <a:effectLst/>
+        </p:spPr>
+        <p:style>
+          <a:lnRef idx="1">
+            <a:schemeClr val="accent2"/>
+          </a:lnRef>
+          <a:fillRef idx="2">
+            <a:schemeClr val="accent2"/>
+          </a:fillRef>
+          <a:effectRef idx="1">
+            <a:schemeClr val="accent2"/>
+          </a:effectRef>
+          <a:fontRef idx="minor">
+            <a:schemeClr val="dk1"/>
+          </a:fontRef>
+        </p:style>
+        <p:txBody>
+          <a:bodyPr rtlCol="0" anchor="ctr"/>
+          <a:lstStyle/>
+          <a:p>
+            <a:pPr algn="ctr"/>
+            <a:r>
+              <a:rPr lang="en-US" sz="1100" b="1" dirty="0">
+                <a:solidFill>
+                  <a:schemeClr val="bg1"/>
+                </a:solidFill>
+              </a:rPr>
+              <a:t>Model</a:t>
+            </a:r>
+            <a:endParaRPr lang="en-SG" sz="1100" b="1" dirty="0">
+              <a:solidFill>
+                <a:schemeClr val="bg1"/>
+              </a:solidFill>
+            </a:endParaRPr>
+          </a:p>
+        </p:txBody>
+      </p:sp>
+      <p:sp>
+        <p:nvSpPr>
+          <p:cNvPr id="19" name="Isosceles Triangle 102"/>
+          <p:cNvSpPr/>
+          <p:nvPr/>
+        </p:nvSpPr>
+        <p:spPr>
+          <a:xfrm flipV="1">
+            <a:off x="1083948" y="1741038"/>
+            <a:ext cx="270504" cy="175523"/>
+          </a:xfrm>
+          <a:prstGeom prst="triangle">
+            <a:avLst/>
+          </a:prstGeom>
+          <a:ln w="19050">
+            <a:solidFill>
+              <a:srgbClr val="00B050"/>
+            </a:solidFill>
+          </a:ln>
+          <a:effectLst/>
+        </p:spPr>
+        <p:style>
+          <a:lnRef idx="1">
+            <a:schemeClr val="accent3"/>
+          </a:lnRef>
+          <a:fillRef idx="2">
+            <a:schemeClr val="accent3"/>
+          </a:fillRef>
+          <a:effectRef idx="1">
+            <a:schemeClr val="accent3"/>
+          </a:effectRef>
+          <a:fontRef idx="minor">
+            <a:schemeClr val="dk1"/>
+          </a:fontRef>
+        </p:style>
+        <p:txBody>
+          <a:bodyPr rtlCol="0" anchor="ctr"/>
+          <a:lstStyle/>
+          <a:p>
+            <a:pPr algn="ctr"/>
+            <a:endParaRPr lang="en-SG" sz="1050" b="1">
+              <a:solidFill>
+                <a:srgbClr val="92D050"/>
+              </a:solidFill>
+            </a:endParaRPr>
+          </a:p>
+        </p:txBody>
+      </p:sp>
+      <p:sp>
+        <p:nvSpPr>
+          <p:cNvPr id="20" name="Isosceles Triangle 102"/>
+          <p:cNvSpPr/>
+          <p:nvPr/>
+        </p:nvSpPr>
+        <p:spPr>
+          <a:xfrm rot="10800000" flipV="1">
+            <a:off x="7014570" y="1331223"/>
+            <a:ext cx="270504" cy="228600"/>
+          </a:xfrm>
+          <a:prstGeom prst="triangle">
+            <a:avLst/>
+          </a:prstGeom>
+          <a:ln w="6350">
+            <a:solidFill>
+              <a:schemeClr val="accent3">
+                <a:lumMod val="50000"/>
+              </a:schemeClr>
+            </a:solidFill>
+          </a:ln>
+          <a:effectLst/>
+        </p:spPr>
+        <p:style>
+          <a:lnRef idx="1">
+            <a:schemeClr val="accent3"/>
+          </a:lnRef>
+          <a:fillRef idx="2">
+            <a:schemeClr val="accent3"/>
+          </a:fillRef>
+          <a:effectRef idx="1">
+            <a:schemeClr val="accent3"/>
+          </a:effectRef>
+          <a:fontRef idx="minor">
+            <a:schemeClr val="dk1"/>
+          </a:fontRef>
+        </p:style>
+        <p:txBody>
+          <a:bodyPr rtlCol="0" anchor="ctr"/>
+          <a:lstStyle/>
+          <a:p>
+            <a:pPr algn="ctr"/>
+            <a:endParaRPr lang="en-SG" sz="1050" b="1">
+              <a:solidFill>
+                <a:srgbClr val="92D050"/>
+              </a:solidFill>
+            </a:endParaRPr>
+          </a:p>
+        </p:txBody>
+      </p:sp>
+      <p:cxnSp>
+        <p:nvCxnSpPr>
+          <p:cNvPr id="25" name="Elbow Connector 24"/>
+          <p:cNvCxnSpPr>
+            <a:stCxn id="5" idx="1"/>
+            <a:endCxn id="19" idx="3"/>
+          </p:cNvCxnSpPr>
+          <p:nvPr/>
+        </p:nvCxnSpPr>
+        <p:spPr>
+          <a:xfrm rot="10800000" flipV="1">
+            <a:off x="1219200" y="1028700"/>
+            <a:ext cx="609600" cy="712338"/>
+          </a:xfrm>
+          <a:prstGeom prst="bentConnector2">
+            <a:avLst/>
+          </a:prstGeom>
+          <a:ln w="38100">
+            <a:solidFill>
+              <a:srgbClr val="00B050"/>
+            </a:solidFill>
+            <a:prstDash val="sysDot"/>
+          </a:ln>
+        </p:spPr>
+        <p:style>
+          <a:lnRef idx="1">
+            <a:schemeClr val="accent1"/>
+          </a:lnRef>
+          <a:fillRef idx="0">
+            <a:schemeClr val="accent1"/>
+          </a:fillRef>
+          <a:effectRef idx="0">
+            <a:schemeClr val="accent1"/>
+          </a:effectRef>
+          <a:fontRef idx="minor">
+            <a:schemeClr val="tx1"/>
+          </a:fontRef>
+        </p:style>
+      </p:cxnSp>
+      <p:cxnSp>
+        <p:nvCxnSpPr>
+          <p:cNvPr id="28" name="Elbow Connector 27"/>
+          <p:cNvCxnSpPr>
+            <a:endCxn id="12" idx="1"/>
+          </p:cNvCxnSpPr>
+          <p:nvPr/>
+        </p:nvCxnSpPr>
+        <p:spPr>
+          <a:xfrm rot="16200000" flipH="1">
+            <a:off x="171450" y="3867150"/>
+            <a:ext cx="4152900" cy="533400"/>
+          </a:xfrm>
+          <a:prstGeom prst="bentConnector2">
+            <a:avLst/>
+          </a:prstGeom>
+          <a:ln w="38100">
+            <a:solidFill>
+              <a:schemeClr val="accent3">
+                <a:lumMod val="60000"/>
+                <a:lumOff val="40000"/>
+              </a:schemeClr>
+            </a:solidFill>
+            <a:tailEnd type="triangle"/>
+          </a:ln>
+        </p:spPr>
+        <p:style>
+          <a:lnRef idx="1">
+            <a:schemeClr val="accent1"/>
+          </a:lnRef>
+          <a:fillRef idx="0">
+            <a:schemeClr val="accent1"/>
+          </a:fillRef>
+          <a:effectRef idx="0">
+            <a:schemeClr val="accent1"/>
+          </a:effectRef>
+          <a:fontRef idx="minor">
+            <a:schemeClr val="tx1"/>
+          </a:fontRef>
+        </p:style>
+      </p:cxnSp>
+      <p:sp>
+        <p:nvSpPr>
+          <p:cNvPr id="32" name="Flowchart: Decision 38"/>
+          <p:cNvSpPr/>
+          <p:nvPr/>
+        </p:nvSpPr>
+        <p:spPr>
+          <a:xfrm>
+            <a:off x="2030926" y="2081740"/>
+            <a:ext cx="407474" cy="318560"/>
+          </a:xfrm>
+          <a:prstGeom prst="flowChartDecision">
+            <a:avLst/>
+          </a:prstGeom>
+          <a:solidFill>
+            <a:schemeClr val="accent3">
+              <a:lumMod val="60000"/>
+              <a:lumOff val="40000"/>
+            </a:schemeClr>
+          </a:solidFill>
+          <a:ln>
+            <a:solidFill>
+              <a:schemeClr val="accent3">
+                <a:lumMod val="60000"/>
+                <a:lumOff val="40000"/>
+              </a:schemeClr>
+            </a:solidFill>
+          </a:ln>
+        </p:spPr>
+        <p:style>
+          <a:lnRef idx="2">
+            <a:schemeClr val="accent1">
+              <a:shade val="50000"/>
+            </a:schemeClr>
+          </a:lnRef>
+          <a:fillRef idx="1">
+            <a:schemeClr val="accent1"/>
+          </a:fillRef>
+          <a:effectRef idx="0">
+            <a:schemeClr val="accent1"/>
+          </a:effectRef>
+          <a:fontRef idx="minor">
+            <a:schemeClr val="lt1"/>
+          </a:fontRef>
+        </p:style>
+        <p:txBody>
+          <a:bodyPr rtlCol="0" anchor="ctr"/>
+          <a:lstStyle/>
+          <a:p>
+            <a:pPr algn="ctr"/>
+            <a:endParaRPr lang="en-SG"/>
+          </a:p>
+        </p:txBody>
+      </p:sp>
+      <p:cxnSp>
+        <p:nvCxnSpPr>
+          <p:cNvPr id="34" name="Elbow Connector 33"/>
+          <p:cNvCxnSpPr>
+            <a:stCxn id="32" idx="2"/>
+            <a:endCxn id="7" idx="1"/>
+          </p:cNvCxnSpPr>
+          <p:nvPr/>
+        </p:nvCxnSpPr>
+        <p:spPr>
+          <a:xfrm rot="16200000" flipH="1">
+            <a:off x="2279381" y="2355581"/>
+            <a:ext cx="190500" cy="279937"/>
+          </a:xfrm>
+          <a:prstGeom prst="bentConnector2">
+            <a:avLst/>
+          </a:prstGeom>
+          <a:ln w="38100">
+            <a:solidFill>
+              <a:schemeClr val="accent3">
+                <a:lumMod val="60000"/>
+                <a:lumOff val="40000"/>
+              </a:schemeClr>
+            </a:solidFill>
+            <a:tailEnd type="triangle"/>
+          </a:ln>
+        </p:spPr>
+        <p:style>
+          <a:lnRef idx="1">
+            <a:schemeClr val="accent1"/>
+          </a:lnRef>
+          <a:fillRef idx="0">
+            <a:schemeClr val="accent1"/>
+          </a:fillRef>
+          <a:effectRef idx="0">
+            <a:schemeClr val="accent1"/>
+          </a:effectRef>
+          <a:fontRef idx="minor">
+            <a:schemeClr val="tx1"/>
+          </a:fontRef>
+        </p:style>
+      </p:cxnSp>
+      <p:cxnSp>
+        <p:nvCxnSpPr>
+          <p:cNvPr id="55" name="Elbow Connector 54"/>
+          <p:cNvCxnSpPr>
+            <a:stCxn id="32" idx="2"/>
+            <a:endCxn id="9" idx="1"/>
+          </p:cNvCxnSpPr>
+          <p:nvPr/>
+        </p:nvCxnSpPr>
+        <p:spPr>
+          <a:xfrm rot="16200000" flipH="1">
+            <a:off x="1726931" y="2908031"/>
+            <a:ext cx="1295400" cy="279937"/>
+          </a:xfrm>
+          <a:prstGeom prst="bentConnector2">
+            <a:avLst/>
+          </a:prstGeom>
+          <a:ln w="38100">
+            <a:solidFill>
+              <a:schemeClr val="accent3">
+                <a:lumMod val="60000"/>
+                <a:lumOff val="40000"/>
+              </a:schemeClr>
+            </a:solidFill>
+            <a:tailEnd type="triangle"/>
+          </a:ln>
+        </p:spPr>
+        <p:style>
+          <a:lnRef idx="1">
+            <a:schemeClr val="accent1"/>
+          </a:lnRef>
+          <a:fillRef idx="0">
+            <a:schemeClr val="accent1"/>
+          </a:fillRef>
+          <a:effectRef idx="0">
+            <a:schemeClr val="accent1"/>
+          </a:effectRef>
+          <a:fontRef idx="minor">
+            <a:schemeClr val="tx1"/>
+          </a:fontRef>
+        </p:style>
+      </p:cxnSp>
+      <p:cxnSp>
+        <p:nvCxnSpPr>
+          <p:cNvPr id="58" name="Elbow Connector 57"/>
+          <p:cNvCxnSpPr>
+            <a:stCxn id="32" idx="2"/>
+            <a:endCxn id="8" idx="1"/>
+          </p:cNvCxnSpPr>
+          <p:nvPr/>
+        </p:nvCxnSpPr>
+        <p:spPr>
+          <a:xfrm rot="16200000" flipH="1">
+            <a:off x="1993631" y="2641331"/>
+            <a:ext cx="762000" cy="279937"/>
+          </a:xfrm>
+          <a:prstGeom prst="bentConnector2">
+            <a:avLst/>
+          </a:prstGeom>
+          <a:ln w="38100">
+            <a:solidFill>
+              <a:schemeClr val="accent3">
+                <a:lumMod val="60000"/>
+                <a:lumOff val="40000"/>
+              </a:schemeClr>
+            </a:solidFill>
+            <a:tailEnd type="triangle"/>
+          </a:ln>
+        </p:spPr>
+        <p:style>
+          <a:lnRef idx="1">
+            <a:schemeClr val="accent1"/>
+          </a:lnRef>
+          <a:fillRef idx="0">
+            <a:schemeClr val="accent1"/>
+          </a:fillRef>
+          <a:effectRef idx="0">
+            <a:schemeClr val="accent1"/>
+          </a:effectRef>
+          <a:fontRef idx="minor">
+            <a:schemeClr val="tx1"/>
+          </a:fontRef>
+        </p:style>
+      </p:cxnSp>
+      <p:cxnSp>
+        <p:nvCxnSpPr>
+          <p:cNvPr id="60" name="Elbow Connector 59"/>
+          <p:cNvCxnSpPr>
+            <a:endCxn id="10" idx="1"/>
+          </p:cNvCxnSpPr>
+          <p:nvPr/>
+        </p:nvCxnSpPr>
+        <p:spPr>
+          <a:xfrm rot="16200000" flipH="1">
+            <a:off x="1345931" y="3289030"/>
+            <a:ext cx="2057401" cy="279938"/>
+          </a:xfrm>
+          <a:prstGeom prst="bentConnector2">
+            <a:avLst/>
+          </a:prstGeom>
+          <a:ln w="38100">
+            <a:solidFill>
+              <a:schemeClr val="accent3">
+                <a:lumMod val="60000"/>
+                <a:lumOff val="40000"/>
+              </a:schemeClr>
+            </a:solidFill>
+            <a:tailEnd type="triangle"/>
+          </a:ln>
+        </p:spPr>
+        <p:style>
+          <a:lnRef idx="1">
+            <a:schemeClr val="accent1"/>
+          </a:lnRef>
+          <a:fillRef idx="0">
+            <a:schemeClr val="accent1"/>
+          </a:fillRef>
+          <a:effectRef idx="0">
+            <a:schemeClr val="accent1"/>
+          </a:effectRef>
+          <a:fontRef idx="minor">
+            <a:schemeClr val="tx1"/>
+          </a:fontRef>
+        </p:style>
+      </p:cxnSp>
+      <p:cxnSp>
+        <p:nvCxnSpPr>
+          <p:cNvPr id="62" name="Elbow Connector 61"/>
+          <p:cNvCxnSpPr>
+            <a:endCxn id="11" idx="1"/>
+          </p:cNvCxnSpPr>
+          <p:nvPr/>
+        </p:nvCxnSpPr>
+        <p:spPr>
+          <a:xfrm rot="16200000" flipH="1">
+            <a:off x="746521" y="3888440"/>
+            <a:ext cx="3256220" cy="279938"/>
+          </a:xfrm>
+          <a:prstGeom prst="bentConnector2">
+            <a:avLst/>
+          </a:prstGeom>
+          <a:ln w="38100">
+            <a:solidFill>
+              <a:schemeClr val="accent3">
+                <a:lumMod val="60000"/>
+                <a:lumOff val="40000"/>
+              </a:schemeClr>
+            </a:solidFill>
+            <a:tailEnd type="triangle"/>
+          </a:ln>
+        </p:spPr>
+        <p:style>
+          <a:lnRef idx="1">
+            <a:schemeClr val="accent1"/>
+          </a:lnRef>
+          <a:fillRef idx="0">
+            <a:schemeClr val="accent1"/>
+          </a:fillRef>
+          <a:effectRef idx="0">
+            <a:schemeClr val="accent1"/>
+          </a:effectRef>
+          <a:fontRef idx="minor">
+            <a:schemeClr val="tx1"/>
+          </a:fontRef>
+        </p:style>
+      </p:cxnSp>
+      <p:cxnSp>
+        <p:nvCxnSpPr>
+          <p:cNvPr id="65" name="Elbow Connector 64"/>
+          <p:cNvCxnSpPr>
+            <a:stCxn id="10" idx="3"/>
+            <a:endCxn id="13" idx="1"/>
+          </p:cNvCxnSpPr>
+          <p:nvPr/>
+        </p:nvCxnSpPr>
+        <p:spPr>
+          <a:xfrm flipV="1">
+            <a:off x="3962400" y="4229100"/>
+            <a:ext cx="533400" cy="228600"/>
+          </a:xfrm>
+          <a:prstGeom prst="bentConnector3">
+            <a:avLst/>
+          </a:prstGeom>
+          <a:ln w="38100">
+            <a:solidFill>
+              <a:schemeClr val="accent3">
+                <a:lumMod val="60000"/>
+                <a:lumOff val="40000"/>
+              </a:schemeClr>
+            </a:solidFill>
+            <a:tailEnd type="triangle"/>
+          </a:ln>
+        </p:spPr>
+        <p:style>
+          <a:lnRef idx="1">
+            <a:schemeClr val="accent1"/>
+          </a:lnRef>
+          <a:fillRef idx="0">
+            <a:schemeClr val="accent1"/>
+          </a:fillRef>
+          <a:effectRef idx="0">
+            <a:schemeClr val="accent1"/>
+          </a:effectRef>
+          <a:fontRef idx="minor">
+            <a:schemeClr val="tx1"/>
+          </a:fontRef>
+        </p:style>
+      </p:cxnSp>
+      <p:cxnSp>
+        <p:nvCxnSpPr>
+          <p:cNvPr id="67" name="Elbow Connector 66"/>
+          <p:cNvCxnSpPr>
+            <a:stCxn id="10" idx="3"/>
+          </p:cNvCxnSpPr>
+          <p:nvPr/>
+        </p:nvCxnSpPr>
+        <p:spPr>
+          <a:xfrm>
+            <a:off x="3962400" y="4457700"/>
+            <a:ext cx="533400" cy="266700"/>
+          </a:xfrm>
+          <a:prstGeom prst="bentConnector3">
+            <a:avLst/>
+          </a:prstGeom>
+          <a:ln w="38100">
+            <a:solidFill>
+              <a:schemeClr val="accent3">
+                <a:lumMod val="60000"/>
+                <a:lumOff val="40000"/>
+              </a:schemeClr>
+            </a:solidFill>
+            <a:tailEnd type="triangle"/>
+          </a:ln>
+        </p:spPr>
+        <p:style>
+          <a:lnRef idx="1">
+            <a:schemeClr val="accent1"/>
+          </a:lnRef>
+          <a:fillRef idx="0">
+            <a:schemeClr val="accent1"/>
+          </a:fillRef>
+          <a:effectRef idx="0">
+            <a:schemeClr val="accent1"/>
+          </a:effectRef>
+          <a:fontRef idx="minor">
+            <a:schemeClr val="tx1"/>
+          </a:fontRef>
+        </p:style>
+      </p:cxnSp>
+      <p:cxnSp>
+        <p:nvCxnSpPr>
+          <p:cNvPr id="69" name="Elbow Connector 68"/>
+          <p:cNvCxnSpPr>
+            <a:stCxn id="14" idx="2"/>
+            <a:endCxn id="15" idx="1"/>
+          </p:cNvCxnSpPr>
+          <p:nvPr/>
+        </p:nvCxnSpPr>
+        <p:spPr>
+          <a:xfrm rot="16200000" flipH="1">
+            <a:off x="5314950" y="4819650"/>
+            <a:ext cx="304800" cy="495300"/>
+          </a:xfrm>
+          <a:prstGeom prst="bentConnector2">
+            <a:avLst/>
+          </a:prstGeom>
+          <a:ln w="38100">
+            <a:solidFill>
+              <a:schemeClr val="accent3">
+                <a:lumMod val="60000"/>
+                <a:lumOff val="40000"/>
+              </a:schemeClr>
+            </a:solidFill>
+            <a:tailEnd type="triangle"/>
+          </a:ln>
+        </p:spPr>
+        <p:style>
+          <a:lnRef idx="1">
+            <a:schemeClr val="accent1"/>
+          </a:lnRef>
+          <a:fillRef idx="0">
+            <a:schemeClr val="accent1"/>
+          </a:fillRef>
+          <a:effectRef idx="0">
+            <a:schemeClr val="accent1"/>
+          </a:effectRef>
+          <a:fontRef idx="minor">
+            <a:schemeClr val="tx1"/>
+          </a:fontRef>
+        </p:style>
+      </p:cxnSp>
+      <p:cxnSp>
+        <p:nvCxnSpPr>
+          <p:cNvPr id="77" name="Elbow Connector 76"/>
+          <p:cNvCxnSpPr>
+            <a:stCxn id="11" idx="3"/>
+            <a:endCxn id="20" idx="3"/>
+          </p:cNvCxnSpPr>
+          <p:nvPr/>
+        </p:nvCxnSpPr>
+        <p:spPr>
+          <a:xfrm flipV="1">
+            <a:off x="3962400" y="1559823"/>
+            <a:ext cx="3187422" cy="4096696"/>
+          </a:xfrm>
+          <a:prstGeom prst="bentConnector2">
+            <a:avLst/>
+          </a:prstGeom>
+          <a:ln w="38100">
+            <a:solidFill>
+              <a:schemeClr val="accent3">
+                <a:lumMod val="60000"/>
+                <a:lumOff val="40000"/>
+              </a:schemeClr>
+            </a:solidFill>
+          </a:ln>
+        </p:spPr>
+        <p:style>
+          <a:lnRef idx="1">
+            <a:schemeClr val="accent1"/>
+          </a:lnRef>
+          <a:fillRef idx="0">
+            <a:schemeClr val="accent1"/>
+          </a:fillRef>
+          <a:effectRef idx="0">
+            <a:schemeClr val="accent1"/>
+          </a:effectRef>
+          <a:fontRef idx="minor">
+            <a:schemeClr val="tx1"/>
+          </a:fontRef>
+        </p:style>
+      </p:cxnSp>
+      <p:cxnSp>
+        <p:nvCxnSpPr>
+          <p:cNvPr id="81" name="Elbow Connector 80"/>
+          <p:cNvCxnSpPr>
+            <a:stCxn id="12" idx="3"/>
+            <a:endCxn id="20" idx="3"/>
+          </p:cNvCxnSpPr>
+          <p:nvPr/>
+        </p:nvCxnSpPr>
+        <p:spPr>
+          <a:xfrm flipV="1">
+            <a:off x="3962400" y="1559823"/>
+            <a:ext cx="3187422" cy="4650477"/>
+          </a:xfrm>
+          <a:prstGeom prst="bentConnector2">
+            <a:avLst/>
+          </a:prstGeom>
+          <a:ln w="38100">
+            <a:solidFill>
+              <a:schemeClr val="accent3">
+                <a:lumMod val="60000"/>
+                <a:lumOff val="40000"/>
+              </a:schemeClr>
+            </a:solidFill>
+          </a:ln>
+        </p:spPr>
+        <p:style>
+          <a:lnRef idx="1">
+            <a:schemeClr val="accent1"/>
+          </a:lnRef>
+          <a:fillRef idx="0">
+            <a:schemeClr val="accent1"/>
+          </a:fillRef>
+          <a:effectRef idx="0">
+            <a:schemeClr val="accent1"/>
+          </a:effectRef>
+          <a:fontRef idx="minor">
+            <a:schemeClr val="tx1"/>
+          </a:fontRef>
+        </p:style>
+      </p:cxnSp>
+      <p:sp>
+        <p:nvSpPr>
+          <p:cNvPr id="85" name="Rectangle 84"/>
+          <p:cNvSpPr/>
+          <p:nvPr/>
+        </p:nvSpPr>
+        <p:spPr>
+          <a:xfrm>
+            <a:off x="7023275" y="5447634"/>
+            <a:ext cx="229325" cy="153728"/>
+          </a:xfrm>
+          <a:prstGeom prst="rect">
+            <a:avLst/>
+          </a:prstGeom>
+          <a:solidFill>
+            <a:schemeClr val="accent3">
+              <a:lumMod val="20000"/>
+              <a:lumOff val="80000"/>
+              <a:alpha val="80000"/>
+            </a:schemeClr>
+          </a:solidFill>
+          <a:ln>
+            <a:noFill/>
+          </a:ln>
+          <a:effectLst>
+            <a:softEdge rad="31750"/>
+          </a:effectLst>
+        </p:spPr>
+        <p:style>
+          <a:lnRef idx="2">
+            <a:schemeClr val="accent1">
+              <a:shade val="50000"/>
+            </a:schemeClr>
+          </a:lnRef>
+          <a:fillRef idx="1">
+            <a:schemeClr val="accent1"/>
+          </a:fillRef>
+          <a:effectRef idx="0">
+            <a:schemeClr val="accent1"/>
+          </a:effectRef>
+          <a:fontRef idx="minor">
+            <a:schemeClr val="lt1"/>
+          </a:fontRef>
+        </p:style>
+        <p:txBody>
+          <a:bodyPr rtlCol="0" anchor="ctr"/>
+          <a:lstStyle/>
+          <a:p>
+            <a:pPr algn="ctr"/>
+            <a:endParaRPr lang="en-SG"/>
+          </a:p>
+        </p:txBody>
+      </p:sp>
+      <p:cxnSp>
+        <p:nvCxnSpPr>
+          <p:cNvPr id="72" name="Elbow Connector 71"/>
+          <p:cNvCxnSpPr>
+            <a:stCxn id="15" idx="2"/>
+            <a:endCxn id="18" idx="0"/>
+          </p:cNvCxnSpPr>
+          <p:nvPr/>
+        </p:nvCxnSpPr>
+        <p:spPr>
+          <a:xfrm rot="16200000" flipH="1">
+            <a:off x="7080789" y="4615910"/>
+            <a:ext cx="114299" cy="1702877"/>
+          </a:xfrm>
+          <a:prstGeom prst="bentConnector2">
+            <a:avLst/>
+          </a:prstGeom>
+          <a:ln w="38100">
+            <a:solidFill>
+              <a:schemeClr val="accent3">
+                <a:lumMod val="60000"/>
+                <a:lumOff val="40000"/>
+              </a:schemeClr>
+            </a:solidFill>
+            <a:prstDash val="sysDot"/>
+            <a:tailEnd type="triangle"/>
+          </a:ln>
+        </p:spPr>
+        <p:style>
+          <a:lnRef idx="1">
+            <a:schemeClr val="accent1"/>
+          </a:lnRef>
+          <a:fillRef idx="0">
+            <a:schemeClr val="accent1"/>
+          </a:fillRef>
+          <a:effectRef idx="0">
+            <a:schemeClr val="accent1"/>
+          </a:effectRef>
+          <a:fontRef idx="minor">
+            <a:schemeClr val="tx1"/>
+          </a:fontRef>
+        </p:style>
+      </p:cxnSp>
+      <p:cxnSp>
+        <p:nvCxnSpPr>
+          <p:cNvPr id="87" name="Elbow Connector 86"/>
+          <p:cNvCxnSpPr>
+            <a:stCxn id="14" idx="3"/>
+            <a:endCxn id="20" idx="3"/>
+          </p:cNvCxnSpPr>
+          <p:nvPr/>
+        </p:nvCxnSpPr>
+        <p:spPr>
+          <a:xfrm flipV="1">
+            <a:off x="5943600" y="1559823"/>
+            <a:ext cx="1206222" cy="3164577"/>
+          </a:xfrm>
+          <a:prstGeom prst="bentConnector2">
+            <a:avLst/>
+          </a:prstGeom>
+          <a:ln w="38100">
+            <a:solidFill>
+              <a:schemeClr val="accent3">
+                <a:lumMod val="60000"/>
+                <a:lumOff val="40000"/>
+              </a:schemeClr>
+            </a:solidFill>
+          </a:ln>
+        </p:spPr>
+        <p:style>
+          <a:lnRef idx="1">
+            <a:schemeClr val="accent1"/>
+          </a:lnRef>
+          <a:fillRef idx="0">
+            <a:schemeClr val="accent1"/>
+          </a:fillRef>
+          <a:effectRef idx="0">
+            <a:schemeClr val="accent1"/>
+          </a:effectRef>
+          <a:fontRef idx="minor">
+            <a:schemeClr val="tx1"/>
+          </a:fontRef>
+        </p:style>
+      </p:cxnSp>
+      <p:cxnSp>
+        <p:nvCxnSpPr>
+          <p:cNvPr id="91" name="Elbow Connector 90"/>
+          <p:cNvCxnSpPr>
+            <a:stCxn id="13" idx="3"/>
+            <a:endCxn id="20" idx="3"/>
+          </p:cNvCxnSpPr>
+          <p:nvPr/>
+        </p:nvCxnSpPr>
+        <p:spPr>
+          <a:xfrm flipV="1">
+            <a:off x="5943600" y="1559823"/>
+            <a:ext cx="1206222" cy="2669277"/>
+          </a:xfrm>
+          <a:prstGeom prst="bentConnector2">
+            <a:avLst/>
+          </a:prstGeom>
+          <a:ln w="38100">
+            <a:solidFill>
+              <a:schemeClr val="accent3">
+                <a:lumMod val="60000"/>
+                <a:lumOff val="40000"/>
+              </a:schemeClr>
+            </a:solidFill>
+          </a:ln>
+        </p:spPr>
+        <p:style>
+          <a:lnRef idx="1">
+            <a:schemeClr val="accent1"/>
+          </a:lnRef>
+          <a:fillRef idx="0">
+            <a:schemeClr val="accent1"/>
+          </a:fillRef>
+          <a:effectRef idx="0">
+            <a:schemeClr val="accent1"/>
+          </a:effectRef>
+          <a:fontRef idx="minor">
+            <a:schemeClr val="tx1"/>
+          </a:fontRef>
+        </p:style>
+      </p:cxnSp>
+      <p:cxnSp>
+        <p:nvCxnSpPr>
+          <p:cNvPr id="93" name="Elbow Connector 92"/>
+          <p:cNvCxnSpPr>
+            <a:stCxn id="9" idx="3"/>
+            <a:endCxn id="20" idx="3"/>
+          </p:cNvCxnSpPr>
+          <p:nvPr/>
+        </p:nvCxnSpPr>
+        <p:spPr>
+          <a:xfrm flipV="1">
+            <a:off x="3962400" y="1559823"/>
+            <a:ext cx="3187422" cy="2135877"/>
+          </a:xfrm>
+          <a:prstGeom prst="bentConnector2">
+            <a:avLst/>
+          </a:prstGeom>
+          <a:ln w="38100">
+            <a:solidFill>
+              <a:schemeClr val="accent3">
+                <a:lumMod val="60000"/>
+                <a:lumOff val="40000"/>
+              </a:schemeClr>
+            </a:solidFill>
+          </a:ln>
+        </p:spPr>
+        <p:style>
+          <a:lnRef idx="1">
+            <a:schemeClr val="accent1"/>
+          </a:lnRef>
+          <a:fillRef idx="0">
+            <a:schemeClr val="accent1"/>
+          </a:fillRef>
+          <a:effectRef idx="0">
+            <a:schemeClr val="accent1"/>
+          </a:effectRef>
+          <a:fontRef idx="minor">
+            <a:schemeClr val="tx1"/>
+          </a:fontRef>
+        </p:style>
+      </p:cxnSp>
+      <p:cxnSp>
+        <p:nvCxnSpPr>
+          <p:cNvPr id="95" name="Elbow Connector 94"/>
+          <p:cNvCxnSpPr>
+            <a:stCxn id="8" idx="3"/>
+            <a:endCxn id="20" idx="3"/>
+          </p:cNvCxnSpPr>
+          <p:nvPr/>
+        </p:nvCxnSpPr>
+        <p:spPr>
+          <a:xfrm flipV="1">
+            <a:off x="3962400" y="1559823"/>
+            <a:ext cx="3187422" cy="1602477"/>
+          </a:xfrm>
+          <a:prstGeom prst="bentConnector2">
+            <a:avLst/>
+          </a:prstGeom>
+          <a:ln w="38100">
+            <a:solidFill>
+              <a:schemeClr val="accent3">
+                <a:lumMod val="60000"/>
+                <a:lumOff val="40000"/>
+              </a:schemeClr>
+            </a:solidFill>
+          </a:ln>
+        </p:spPr>
+        <p:style>
+          <a:lnRef idx="1">
+            <a:schemeClr val="accent1"/>
+          </a:lnRef>
+          <a:fillRef idx="0">
+            <a:schemeClr val="accent1"/>
+          </a:fillRef>
+          <a:effectRef idx="0">
+            <a:schemeClr val="accent1"/>
+          </a:effectRef>
+          <a:fontRef idx="minor">
+            <a:schemeClr val="tx1"/>
+          </a:fontRef>
+        </p:style>
+      </p:cxnSp>
+      <p:cxnSp>
+        <p:nvCxnSpPr>
+          <p:cNvPr id="97" name="Elbow Connector 96"/>
+          <p:cNvCxnSpPr>
+            <a:stCxn id="7" idx="3"/>
+            <a:endCxn id="20" idx="3"/>
+          </p:cNvCxnSpPr>
+          <p:nvPr/>
+        </p:nvCxnSpPr>
+        <p:spPr>
+          <a:xfrm flipV="1">
+            <a:off x="3962400" y="1559823"/>
+            <a:ext cx="3187422" cy="1030977"/>
+          </a:xfrm>
+          <a:prstGeom prst="bentConnector2">
+            <a:avLst/>
+          </a:prstGeom>
+          <a:ln w="38100">
+            <a:solidFill>
+              <a:schemeClr val="accent3">
+                <a:lumMod val="60000"/>
+                <a:lumOff val="40000"/>
+              </a:schemeClr>
+            </a:solidFill>
+          </a:ln>
+        </p:spPr>
+        <p:style>
+          <a:lnRef idx="1">
+            <a:schemeClr val="accent1"/>
+          </a:lnRef>
+          <a:fillRef idx="0">
+            <a:schemeClr val="accent1"/>
+          </a:fillRef>
+          <a:effectRef idx="0">
+            <a:schemeClr val="accent1"/>
+          </a:effectRef>
+          <a:fontRef idx="minor">
+            <a:schemeClr val="tx1"/>
+          </a:fontRef>
+        </p:style>
+      </p:cxnSp>
+      <p:cxnSp>
+        <p:nvCxnSpPr>
+          <p:cNvPr id="115" name="Elbow Connector 114"/>
+          <p:cNvCxnSpPr>
+            <a:stCxn id="6" idx="3"/>
+            <a:endCxn id="20" idx="3"/>
+          </p:cNvCxnSpPr>
+          <p:nvPr/>
+        </p:nvCxnSpPr>
+        <p:spPr>
+          <a:xfrm flipV="1">
+            <a:off x="3200400" y="1559823"/>
+            <a:ext cx="3949422" cy="268977"/>
+          </a:xfrm>
+          <a:prstGeom prst="bentConnector2">
+            <a:avLst/>
+          </a:prstGeom>
+          <a:ln w="38100">
+            <a:solidFill>
+              <a:schemeClr val="accent3">
+                <a:lumMod val="60000"/>
+                <a:lumOff val="40000"/>
+              </a:schemeClr>
+            </a:solidFill>
+          </a:ln>
+        </p:spPr>
+        <p:style>
+          <a:lnRef idx="1">
+            <a:schemeClr val="accent1"/>
+          </a:lnRef>
+          <a:fillRef idx="0">
+            <a:schemeClr val="accent1"/>
+          </a:fillRef>
+          <a:effectRef idx="0">
+            <a:schemeClr val="accent1"/>
+          </a:effectRef>
+          <a:fontRef idx="minor">
+            <a:schemeClr val="tx1"/>
+          </a:fontRef>
+        </p:style>
+      </p:cxnSp>
+      <p:cxnSp>
+        <p:nvCxnSpPr>
+          <p:cNvPr id="118" name="Elbow Connector 117"/>
+          <p:cNvCxnSpPr/>
+          <p:nvPr/>
+        </p:nvCxnSpPr>
+        <p:spPr>
+          <a:xfrm flipV="1">
+            <a:off x="2514600" y="609600"/>
+            <a:ext cx="5474776" cy="226323"/>
+          </a:xfrm>
+          <a:prstGeom prst="bentConnector3">
+            <a:avLst>
+              <a:gd name="adj1" fmla="val 87"/>
+            </a:avLst>
+          </a:prstGeom>
+          <a:ln w="38100">
+            <a:solidFill>
+              <a:srgbClr val="00B050"/>
+            </a:solidFill>
+            <a:tailEnd type="triangle"/>
+          </a:ln>
+        </p:spPr>
+        <p:style>
+          <a:lnRef idx="1">
+            <a:schemeClr val="accent1"/>
+          </a:lnRef>
+          <a:fillRef idx="0">
+            <a:schemeClr val="accent1"/>
+          </a:fillRef>
+          <a:effectRef idx="0">
+            <a:schemeClr val="accent1"/>
+          </a:effectRef>
+          <a:fontRef idx="minor">
+            <a:schemeClr val="tx1"/>
+          </a:fontRef>
+        </p:style>
+      </p:cxnSp>
+      <p:sp>
+        <p:nvSpPr>
+          <p:cNvPr id="124" name="Rectangle 123"/>
+          <p:cNvSpPr/>
+          <p:nvPr/>
+        </p:nvSpPr>
+        <p:spPr>
+          <a:xfrm>
+            <a:off x="7035159" y="2055123"/>
+            <a:ext cx="249915" cy="266080"/>
+          </a:xfrm>
+          <a:prstGeom prst="rect">
+            <a:avLst/>
+          </a:prstGeom>
+          <a:solidFill>
+            <a:schemeClr val="accent3">
+              <a:lumMod val="20000"/>
+              <a:lumOff val="80000"/>
+              <a:alpha val="80000"/>
+            </a:schemeClr>
+          </a:solidFill>
+          <a:ln>
+            <a:noFill/>
+          </a:ln>
+          <a:effectLst>
+            <a:softEdge rad="31750"/>
+          </a:effectLst>
+        </p:spPr>
+        <p:style>
+          <a:lnRef idx="2">
+            <a:schemeClr val="accent1">
+              <a:shade val="50000"/>
+            </a:schemeClr>
+          </a:lnRef>
+          <a:fillRef idx="1">
+            <a:schemeClr val="accent1"/>
+          </a:fillRef>
+          <a:effectRef idx="0">
+            <a:schemeClr val="accent1"/>
+          </a:effectRef>
+          <a:fontRef idx="minor">
+            <a:schemeClr val="lt1"/>
+          </a:fontRef>
+        </p:style>
+        <p:txBody>
+          <a:bodyPr rtlCol="0" anchor="ctr"/>
+          <a:lstStyle/>
+          <a:p>
+            <a:pPr algn="ctr"/>
+            <a:endParaRPr lang="en-SG"/>
+          </a:p>
+        </p:txBody>
+      </p:sp>
+      <p:cxnSp>
+        <p:nvCxnSpPr>
+          <p:cNvPr id="123" name="Elbow Connector 122"/>
+          <p:cNvCxnSpPr>
+            <a:stCxn id="7" idx="0"/>
+          </p:cNvCxnSpPr>
+          <p:nvPr/>
+        </p:nvCxnSpPr>
+        <p:spPr>
+          <a:xfrm rot="5400000" flipH="1" flipV="1">
+            <a:off x="5518688" y="-70388"/>
+            <a:ext cx="190500" cy="4750876"/>
+          </a:xfrm>
+          <a:prstGeom prst="bentConnector2">
+            <a:avLst/>
+          </a:prstGeom>
+          <a:ln w="38100">
+            <a:solidFill>
+              <a:srgbClr val="00B050"/>
+            </a:solidFill>
+            <a:tailEnd type="triangle"/>
+          </a:ln>
+        </p:spPr>
+        <p:style>
+          <a:lnRef idx="1">
+            <a:schemeClr val="accent1"/>
+          </a:lnRef>
+          <a:fillRef idx="0">
+            <a:schemeClr val="accent1"/>
+          </a:fillRef>
+          <a:effectRef idx="0">
+            <a:schemeClr val="accent1"/>
+          </a:effectRef>
+          <a:fontRef idx="minor">
+            <a:schemeClr val="tx1"/>
+          </a:fontRef>
+        </p:style>
+      </p:cxnSp>
+      <p:cxnSp>
+        <p:nvCxnSpPr>
+          <p:cNvPr id="126" name="Elbow Connector 125"/>
+          <p:cNvCxnSpPr/>
+          <p:nvPr/>
+        </p:nvCxnSpPr>
+        <p:spPr>
+          <a:xfrm>
+            <a:off x="11049000" y="3352800"/>
+            <a:ext cx="914400" cy="914400"/>
+          </a:xfrm>
+          <a:prstGeom prst="bentConnector3">
+            <a:avLst/>
+          </a:prstGeom>
+          <a:ln>
+            <a:tailEnd type="triangle"/>
+          </a:ln>
+        </p:spPr>
+        <p:style>
+          <a:lnRef idx="1">
+            <a:schemeClr val="accent1"/>
+          </a:lnRef>
+          <a:fillRef idx="0">
+            <a:schemeClr val="accent1"/>
+          </a:fillRef>
+          <a:effectRef idx="0">
+            <a:schemeClr val="accent1"/>
+          </a:effectRef>
+          <a:fontRef idx="minor">
+            <a:schemeClr val="tx1"/>
+          </a:fontRef>
+        </p:style>
+      </p:cxnSp>
+      <p:sp>
+        <p:nvSpPr>
+          <p:cNvPr id="137" name="Rectangle 136"/>
+          <p:cNvSpPr/>
+          <p:nvPr/>
+        </p:nvSpPr>
+        <p:spPr>
+          <a:xfrm>
+            <a:off x="7045453" y="3769002"/>
+            <a:ext cx="239621" cy="283619"/>
+          </a:xfrm>
+          <a:prstGeom prst="rect">
+            <a:avLst/>
+          </a:prstGeom>
+          <a:solidFill>
+            <a:schemeClr val="accent3">
+              <a:lumMod val="20000"/>
+              <a:lumOff val="80000"/>
+              <a:alpha val="80000"/>
+            </a:schemeClr>
+          </a:solidFill>
+          <a:ln>
+            <a:noFill/>
+          </a:ln>
+          <a:effectLst>
+            <a:softEdge rad="31750"/>
+          </a:effectLst>
+        </p:spPr>
+        <p:style>
+          <a:lnRef idx="2">
+            <a:schemeClr val="accent1">
+              <a:shade val="50000"/>
+            </a:schemeClr>
+          </a:lnRef>
+          <a:fillRef idx="1">
+            <a:schemeClr val="accent1"/>
+          </a:fillRef>
+          <a:effectRef idx="0">
+            <a:schemeClr val="accent1"/>
+          </a:effectRef>
+          <a:fontRef idx="minor">
+            <a:schemeClr val="lt1"/>
+          </a:fontRef>
+        </p:style>
+        <p:txBody>
+          <a:bodyPr rtlCol="0" anchor="ctr"/>
+          <a:lstStyle/>
+          <a:p>
+            <a:pPr algn="ctr"/>
+            <a:endParaRPr lang="en-SG"/>
+          </a:p>
+        </p:txBody>
+      </p:sp>
+      <p:cxnSp>
+        <p:nvCxnSpPr>
+          <p:cNvPr id="130" name="Elbow Connector 129"/>
+          <p:cNvCxnSpPr>
+            <a:stCxn id="13" idx="0"/>
+          </p:cNvCxnSpPr>
+          <p:nvPr/>
+        </p:nvCxnSpPr>
+        <p:spPr>
+          <a:xfrm rot="16200000" flipH="1">
+            <a:off x="6136816" y="3121483"/>
+            <a:ext cx="935445" cy="2769678"/>
+          </a:xfrm>
+          <a:prstGeom prst="bentConnector4">
+            <a:avLst>
+              <a:gd name="adj1" fmla="val -13576"/>
+              <a:gd name="adj2" fmla="val 82785"/>
+            </a:avLst>
+          </a:prstGeom>
+          <a:ln w="38100">
+            <a:solidFill>
+              <a:schemeClr val="accent3">
+                <a:lumMod val="60000"/>
+                <a:lumOff val="40000"/>
+              </a:schemeClr>
+            </a:solidFill>
+            <a:prstDash val="sysDot"/>
+            <a:tailEnd type="triangle"/>
+          </a:ln>
+        </p:spPr>
+        <p:style>
+          <a:lnRef idx="1">
+            <a:schemeClr val="accent1"/>
+          </a:lnRef>
+          <a:fillRef idx="0">
+            <a:schemeClr val="accent1"/>
+          </a:fillRef>
+          <a:effectRef idx="0">
+            <a:schemeClr val="accent1"/>
+          </a:effectRef>
+          <a:fontRef idx="minor">
+            <a:schemeClr val="tx1"/>
+          </a:fontRef>
+        </p:style>
+      </p:cxnSp>
+    </p:spTree>
+    <p:extLst>
+      <p:ext uri="{BB962C8B-B14F-4D97-AF65-F5344CB8AC3E}">
+        <p14:creationId xmlns:p14="http://schemas.microsoft.com/office/powerpoint/2010/main" val="136836724"/>
       </p:ext>
     </p:extLst>
   </p:cSld>

--- a/docs/diagrams/UiComponentClassDiagram.pptx
+++ b/docs/diagrams/UiComponentClassDiagram.pptx
@@ -209,7 +209,7 @@
           <a:p>
             <a:fld id="{F5CC4B3F-88C1-4FFA-B1B6-F41C21DC6924}" type="datetimeFigureOut">
               <a:rPr lang="en-US" smtClean="0"/>
-              <a:t>10/27/17</a:t>
+              <a:t>10/28/17</a:t>
             </a:fld>
             <a:endParaRPr lang="en-US"/>
           </a:p>
@@ -739,7 +739,7 @@
           <a:p>
             <a:fld id="{78C97017-6FC3-485B-9764-EAC9E56C1D49}" type="datetimeFigureOut">
               <a:rPr lang="en-US" smtClean="0"/>
-              <a:t>10/27/17</a:t>
+              <a:t>10/28/17</a:t>
             </a:fld>
             <a:endParaRPr lang="en-US"/>
           </a:p>
@@ -907,7 +907,7 @@
           <a:p>
             <a:fld id="{78C97017-6FC3-485B-9764-EAC9E56C1D49}" type="datetimeFigureOut">
               <a:rPr lang="en-US" smtClean="0"/>
-              <a:t>10/27/17</a:t>
+              <a:t>10/28/17</a:t>
             </a:fld>
             <a:endParaRPr lang="en-US"/>
           </a:p>
@@ -1085,7 +1085,7 @@
           <a:p>
             <a:fld id="{78C97017-6FC3-485B-9764-EAC9E56C1D49}" type="datetimeFigureOut">
               <a:rPr lang="en-US" smtClean="0"/>
-              <a:t>10/27/17</a:t>
+              <a:t>10/28/17</a:t>
             </a:fld>
             <a:endParaRPr lang="en-US"/>
           </a:p>
@@ -1253,7 +1253,7 @@
           <a:p>
             <a:fld id="{78C97017-6FC3-485B-9764-EAC9E56C1D49}" type="datetimeFigureOut">
               <a:rPr lang="en-US" smtClean="0"/>
-              <a:t>10/27/17</a:t>
+              <a:t>10/28/17</a:t>
             </a:fld>
             <a:endParaRPr lang="en-US"/>
           </a:p>
@@ -1498,7 +1498,7 @@
           <a:p>
             <a:fld id="{78C97017-6FC3-485B-9764-EAC9E56C1D49}" type="datetimeFigureOut">
               <a:rPr lang="en-US" smtClean="0"/>
-              <a:t>10/27/17</a:t>
+              <a:t>10/28/17</a:t>
             </a:fld>
             <a:endParaRPr lang="en-US"/>
           </a:p>
@@ -1783,7 +1783,7 @@
           <a:p>
             <a:fld id="{78C97017-6FC3-485B-9764-EAC9E56C1D49}" type="datetimeFigureOut">
               <a:rPr lang="en-US" smtClean="0"/>
-              <a:t>10/27/17</a:t>
+              <a:t>10/28/17</a:t>
             </a:fld>
             <a:endParaRPr lang="en-US"/>
           </a:p>
@@ -2202,7 +2202,7 @@
           <a:p>
             <a:fld id="{78C97017-6FC3-485B-9764-EAC9E56C1D49}" type="datetimeFigureOut">
               <a:rPr lang="en-US" smtClean="0"/>
-              <a:t>10/27/17</a:t>
+              <a:t>10/28/17</a:t>
             </a:fld>
             <a:endParaRPr lang="en-US"/>
           </a:p>
@@ -2319,7 +2319,7 @@
           <a:p>
             <a:fld id="{78C97017-6FC3-485B-9764-EAC9E56C1D49}" type="datetimeFigureOut">
               <a:rPr lang="en-US" smtClean="0"/>
-              <a:t>10/27/17</a:t>
+              <a:t>10/28/17</a:t>
             </a:fld>
             <a:endParaRPr lang="en-US"/>
           </a:p>
@@ -2414,7 +2414,7 @@
           <a:p>
             <a:fld id="{78C97017-6FC3-485B-9764-EAC9E56C1D49}" type="datetimeFigureOut">
               <a:rPr lang="en-US" smtClean="0"/>
-              <a:t>10/27/17</a:t>
+              <a:t>10/28/17</a:t>
             </a:fld>
             <a:endParaRPr lang="en-US"/>
           </a:p>
@@ -2689,7 +2689,7 @@
           <a:p>
             <a:fld id="{78C97017-6FC3-485B-9764-EAC9E56C1D49}" type="datetimeFigureOut">
               <a:rPr lang="en-US" smtClean="0"/>
-              <a:t>10/27/17</a:t>
+              <a:t>10/28/17</a:t>
             </a:fld>
             <a:endParaRPr lang="en-US"/>
           </a:p>
@@ -2941,7 +2941,7 @@
           <a:p>
             <a:fld id="{78C97017-6FC3-485B-9764-EAC9E56C1D49}" type="datetimeFigureOut">
               <a:rPr lang="en-US" smtClean="0"/>
-              <a:t>10/27/17</a:t>
+              <a:t>10/28/17</a:t>
             </a:fld>
             <a:endParaRPr lang="en-US"/>
           </a:p>
@@ -3152,7 +3152,7 @@
           <a:p>
             <a:fld id="{78C97017-6FC3-485B-9764-EAC9E56C1D49}" type="datetimeFigureOut">
               <a:rPr lang="en-US" smtClean="0"/>
-              <a:t>10/27/17</a:t>
+              <a:t>10/28/17</a:t>
             </a:fld>
             <a:endParaRPr lang="en-US"/>
           </a:p>
@@ -7831,39 +7831,6 @@
             <a:solidFill>
               <a:srgbClr val="00B050"/>
             </a:solidFill>
-            <a:tailEnd type="triangle"/>
-          </a:ln>
-        </p:spPr>
-        <p:style>
-          <a:lnRef idx="1">
-            <a:schemeClr val="accent1"/>
-          </a:lnRef>
-          <a:fillRef idx="0">
-            <a:schemeClr val="accent1"/>
-          </a:fillRef>
-          <a:effectRef idx="0">
-            <a:schemeClr val="accent1"/>
-          </a:effectRef>
-          <a:fontRef idx="minor">
-            <a:schemeClr val="tx1"/>
-          </a:fontRef>
-        </p:style>
-      </p:cxnSp>
-      <p:cxnSp>
-        <p:nvCxnSpPr>
-          <p:cNvPr id="126" name="Elbow Connector 125"/>
-          <p:cNvCxnSpPr/>
-          <p:nvPr/>
-        </p:nvCxnSpPr>
-        <p:spPr>
-          <a:xfrm>
-            <a:off x="11049000" y="3352800"/>
-            <a:ext cx="914400" cy="914400"/>
-          </a:xfrm>
-          <a:prstGeom prst="bentConnector3">
-            <a:avLst/>
-          </a:prstGeom>
-          <a:ln>
             <a:tailEnd type="triangle"/>
           </a:ln>
         </p:spPr>

--- a/docs/diagrams/UiComponentClassDiagram.pptx
+++ b/docs/diagrams/UiComponentClassDiagram.pptx
@@ -209,7 +209,7 @@
           <a:p>
             <a:fld id="{F5CC4B3F-88C1-4FFA-B1B6-F41C21DC6924}" type="datetimeFigureOut">
               <a:rPr lang="en-US" smtClean="0"/>
-              <a:t>10/28/17</a:t>
+              <a:t>11/11/17</a:t>
             </a:fld>
             <a:endParaRPr lang="en-US"/>
           </a:p>
@@ -739,7 +739,7 @@
           <a:p>
             <a:fld id="{78C97017-6FC3-485B-9764-EAC9E56C1D49}" type="datetimeFigureOut">
               <a:rPr lang="en-US" smtClean="0"/>
-              <a:t>10/28/17</a:t>
+              <a:t>11/11/17</a:t>
             </a:fld>
             <a:endParaRPr lang="en-US"/>
           </a:p>
@@ -907,7 +907,7 @@
           <a:p>
             <a:fld id="{78C97017-6FC3-485B-9764-EAC9E56C1D49}" type="datetimeFigureOut">
               <a:rPr lang="en-US" smtClean="0"/>
-              <a:t>10/28/17</a:t>
+              <a:t>11/11/17</a:t>
             </a:fld>
             <a:endParaRPr lang="en-US"/>
           </a:p>
@@ -1085,7 +1085,7 @@
           <a:p>
             <a:fld id="{78C97017-6FC3-485B-9764-EAC9E56C1D49}" type="datetimeFigureOut">
               <a:rPr lang="en-US" smtClean="0"/>
-              <a:t>10/28/17</a:t>
+              <a:t>11/11/17</a:t>
             </a:fld>
             <a:endParaRPr lang="en-US"/>
           </a:p>
@@ -1253,7 +1253,7 @@
           <a:p>
             <a:fld id="{78C97017-6FC3-485B-9764-EAC9E56C1D49}" type="datetimeFigureOut">
               <a:rPr lang="en-US" smtClean="0"/>
-              <a:t>10/28/17</a:t>
+              <a:t>11/11/17</a:t>
             </a:fld>
             <a:endParaRPr lang="en-US"/>
           </a:p>
@@ -1498,7 +1498,7 @@
           <a:p>
             <a:fld id="{78C97017-6FC3-485B-9764-EAC9E56C1D49}" type="datetimeFigureOut">
               <a:rPr lang="en-US" smtClean="0"/>
-              <a:t>10/28/17</a:t>
+              <a:t>11/11/17</a:t>
             </a:fld>
             <a:endParaRPr lang="en-US"/>
           </a:p>
@@ -1783,7 +1783,7 @@
           <a:p>
             <a:fld id="{78C97017-6FC3-485B-9764-EAC9E56C1D49}" type="datetimeFigureOut">
               <a:rPr lang="en-US" smtClean="0"/>
-              <a:t>10/28/17</a:t>
+              <a:t>11/11/17</a:t>
             </a:fld>
             <a:endParaRPr lang="en-US"/>
           </a:p>
@@ -2202,7 +2202,7 @@
           <a:p>
             <a:fld id="{78C97017-6FC3-485B-9764-EAC9E56C1D49}" type="datetimeFigureOut">
               <a:rPr lang="en-US" smtClean="0"/>
-              <a:t>10/28/17</a:t>
+              <a:t>11/11/17</a:t>
             </a:fld>
             <a:endParaRPr lang="en-US"/>
           </a:p>
@@ -2319,7 +2319,7 @@
           <a:p>
             <a:fld id="{78C97017-6FC3-485B-9764-EAC9E56C1D49}" type="datetimeFigureOut">
               <a:rPr lang="en-US" smtClean="0"/>
-              <a:t>10/28/17</a:t>
+              <a:t>11/11/17</a:t>
             </a:fld>
             <a:endParaRPr lang="en-US"/>
           </a:p>
@@ -2414,7 +2414,7 @@
           <a:p>
             <a:fld id="{78C97017-6FC3-485B-9764-EAC9E56C1D49}" type="datetimeFigureOut">
               <a:rPr lang="en-US" smtClean="0"/>
-              <a:t>10/28/17</a:t>
+              <a:t>11/11/17</a:t>
             </a:fld>
             <a:endParaRPr lang="en-US"/>
           </a:p>
@@ -2689,7 +2689,7 @@
           <a:p>
             <a:fld id="{78C97017-6FC3-485B-9764-EAC9E56C1D49}" type="datetimeFigureOut">
               <a:rPr lang="en-US" smtClean="0"/>
-              <a:t>10/28/17</a:t>
+              <a:t>11/11/17</a:t>
             </a:fld>
             <a:endParaRPr lang="en-US"/>
           </a:p>
@@ -2941,7 +2941,7 @@
           <a:p>
             <a:fld id="{78C97017-6FC3-485B-9764-EAC9E56C1D49}" type="datetimeFigureOut">
               <a:rPr lang="en-US" smtClean="0"/>
-              <a:t>10/28/17</a:t>
+              <a:t>11/11/17</a:t>
             </a:fld>
             <a:endParaRPr lang="en-US"/>
           </a:p>
@@ -3152,7 +3152,7 @@
           <a:p>
             <a:fld id="{78C97017-6FC3-485B-9764-EAC9E56C1D49}" type="datetimeFigureOut">
               <a:rPr lang="en-US" smtClean="0"/>
-              <a:t>10/28/17</a:t>
+              <a:t>11/11/17</a:t>
             </a:fld>
             <a:endParaRPr lang="en-US"/>
           </a:p>
@@ -5736,8 +5736,8 @@
         </p:nvSpPr>
         <p:spPr>
           <a:xfrm rot="16200000">
-            <a:off x="457200" y="2362200"/>
-            <a:ext cx="1524000" cy="609600"/>
+            <a:off x="488681" y="2330719"/>
+            <a:ext cx="1447799" cy="596362"/>
           </a:xfrm>
           <a:prstGeom prst="rect">
             <a:avLst/>
@@ -5773,17 +5773,17 @@
           <a:p>
             <a:pPr algn="ctr"/>
             <a:r>
-              <a:rPr lang="en-US" sz="1600" dirty="0" smtClean="0"/>
+              <a:rPr lang="en-US" sz="1400" dirty="0" smtClean="0"/>
               <a:t>&lt;&lt;Interface&gt;&gt;</a:t>
             </a:r>
           </a:p>
           <a:p>
             <a:pPr algn="ctr"/>
             <a:r>
-              <a:rPr lang="en-US" sz="1600" dirty="0" smtClean="0"/>
+              <a:rPr lang="en-US" sz="1400" dirty="0" smtClean="0"/>
               <a:t>UI</a:t>
             </a:r>
-            <a:endParaRPr lang="en-US" sz="1600" dirty="0"/>
+            <a:endParaRPr lang="en-US" sz="1400" dirty="0"/>
           </a:p>
         </p:txBody>
       </p:sp>
@@ -5796,7 +5796,7 @@
         <p:spPr>
           <a:xfrm>
             <a:off x="1828800" y="838200"/>
-            <a:ext cx="1371600" cy="381000"/>
+            <a:ext cx="1143000" cy="302523"/>
           </a:xfrm>
           <a:prstGeom prst="rect">
             <a:avLst/>
@@ -5832,23 +5832,23 @@
           <a:p>
             <a:pPr algn="ctr"/>
             <a:r>
-              <a:rPr lang="en-US" sz="1600" dirty="0" err="1" smtClean="0"/>
+              <a:rPr lang="en-US" sz="1400" dirty="0" err="1" smtClean="0"/>
               <a:t>UiManager</a:t>
             </a:r>
-            <a:endParaRPr lang="en-US" sz="1600" dirty="0"/>
-          </a:p>
-        </p:txBody>
-      </p:sp>
-      <p:sp>
-        <p:nvSpPr>
-          <p:cNvPr id="6" name="Rectangle 5"/>
+            <a:endParaRPr lang="en-US" sz="1400" dirty="0"/>
+          </a:p>
+        </p:txBody>
+      </p:sp>
+      <p:sp>
+        <p:nvSpPr>
+          <p:cNvPr id="7" name="Rectangle 6"/>
           <p:cNvSpPr/>
           <p:nvPr/>
         </p:nvSpPr>
         <p:spPr>
           <a:xfrm>
-            <a:off x="1828800" y="1600200"/>
-            <a:ext cx="1371600" cy="457200"/>
+            <a:off x="2514600" y="2180556"/>
+            <a:ext cx="1409434" cy="334040"/>
           </a:xfrm>
           <a:prstGeom prst="rect">
             <a:avLst/>
@@ -5889,16 +5889,16 @@
           <a:p>
             <a:pPr algn="ctr"/>
             <a:r>
-              <a:rPr lang="en-US" sz="1600" dirty="0" err="1" smtClean="0">
+              <a:rPr lang="en-US" sz="1200" dirty="0" err="1" smtClean="0">
                 <a:solidFill>
                   <a:schemeClr val="accent3">
                     <a:lumMod val="50000"/>
                   </a:schemeClr>
                 </a:solidFill>
               </a:rPr>
-              <a:t>MainWindow</a:t>
-            </a:r>
-            <a:endParaRPr lang="en-US" sz="1600" dirty="0">
+              <a:t>CommandBox</a:t>
+            </a:r>
+            <a:endParaRPr lang="en-US" sz="1200" dirty="0">
               <a:solidFill>
                 <a:schemeClr val="accent3">
                   <a:lumMod val="50000"/>
@@ -5910,14 +5910,14 @@
       </p:sp>
       <p:sp>
         <p:nvSpPr>
-          <p:cNvPr id="7" name="Rectangle 6"/>
+          <p:cNvPr id="8" name="Rectangle 7"/>
           <p:cNvSpPr/>
           <p:nvPr/>
         </p:nvSpPr>
         <p:spPr>
           <a:xfrm>
-            <a:off x="2514600" y="2400300"/>
-            <a:ext cx="1447800" cy="381000"/>
+            <a:off x="2514600" y="2614279"/>
+            <a:ext cx="1409435" cy="357521"/>
           </a:xfrm>
           <a:prstGeom prst="rect">
             <a:avLst/>
@@ -5958,16 +5958,16 @@
           <a:p>
             <a:pPr algn="ctr"/>
             <a:r>
-              <a:rPr lang="en-US" sz="1400" dirty="0" err="1" smtClean="0">
+              <a:rPr lang="en-US" sz="1200" dirty="0" err="1" smtClean="0">
                 <a:solidFill>
                   <a:schemeClr val="accent3">
                     <a:lumMod val="50000"/>
                   </a:schemeClr>
                 </a:solidFill>
               </a:rPr>
-              <a:t>CommandBox</a:t>
-            </a:r>
-            <a:endParaRPr lang="en-US" sz="1400" dirty="0">
+              <a:t>ResultDisplay</a:t>
+            </a:r>
+            <a:endParaRPr lang="en-US" sz="1200" dirty="0">
               <a:solidFill>
                 <a:schemeClr val="accent3">
                   <a:lumMod val="50000"/>
@@ -5979,14 +5979,14 @@
       </p:sp>
       <p:sp>
         <p:nvSpPr>
-          <p:cNvPr id="8" name="Rectangle 7"/>
+          <p:cNvPr id="9" name="Rectangle 8"/>
           <p:cNvSpPr/>
           <p:nvPr/>
         </p:nvSpPr>
         <p:spPr>
           <a:xfrm>
-            <a:off x="2514600" y="2971800"/>
-            <a:ext cx="1447800" cy="381000"/>
+            <a:off x="2514600" y="3048000"/>
+            <a:ext cx="1409436" cy="342900"/>
           </a:xfrm>
           <a:prstGeom prst="rect">
             <a:avLst/>
@@ -6027,16 +6027,16 @@
           <a:p>
             <a:pPr algn="ctr"/>
             <a:r>
-              <a:rPr lang="en-US" sz="1400" dirty="0" err="1" smtClean="0">
+              <a:rPr lang="en-US" sz="1200" dirty="0" err="1" smtClean="0">
                 <a:solidFill>
                   <a:schemeClr val="accent3">
                     <a:lumMod val="50000"/>
                   </a:schemeClr>
                 </a:solidFill>
               </a:rPr>
-              <a:t>ResultDisplay</a:t>
-            </a:r>
-            <a:endParaRPr lang="en-US" sz="1400" dirty="0">
+              <a:t>BrowserPanel</a:t>
+            </a:r>
+            <a:endParaRPr lang="en-US" sz="1200" dirty="0">
               <a:solidFill>
                 <a:schemeClr val="accent3">
                   <a:lumMod val="50000"/>
@@ -6048,14 +6048,14 @@
       </p:sp>
       <p:sp>
         <p:nvSpPr>
-          <p:cNvPr id="9" name="Rectangle 8"/>
+          <p:cNvPr id="10" name="Rectangle 9"/>
           <p:cNvSpPr/>
           <p:nvPr/>
         </p:nvSpPr>
         <p:spPr>
           <a:xfrm>
-            <a:off x="2514600" y="3505200"/>
-            <a:ext cx="1447800" cy="381000"/>
+            <a:off x="2514599" y="3962400"/>
+            <a:ext cx="1409437" cy="344041"/>
           </a:xfrm>
           <a:prstGeom prst="rect">
             <a:avLst/>
@@ -6096,16 +6096,16 @@
           <a:p>
             <a:pPr algn="ctr"/>
             <a:r>
-              <a:rPr lang="en-US" sz="1400" dirty="0" err="1" smtClean="0">
+              <a:rPr lang="en-US" sz="1200" dirty="0" err="1" smtClean="0">
                 <a:solidFill>
                   <a:schemeClr val="accent3">
                     <a:lumMod val="50000"/>
                   </a:schemeClr>
                 </a:solidFill>
               </a:rPr>
-              <a:t>BrowserPanel</a:t>
-            </a:r>
-            <a:endParaRPr lang="en-US" sz="1400" dirty="0">
+              <a:t>LeftDisplayPanel</a:t>
+            </a:r>
+            <a:endParaRPr lang="en-US" sz="1200" dirty="0">
               <a:solidFill>
                 <a:schemeClr val="accent3">
                   <a:lumMod val="50000"/>
@@ -6117,14 +6117,14 @@
       </p:sp>
       <p:sp>
         <p:nvSpPr>
-          <p:cNvPr id="10" name="Rectangle 9"/>
+          <p:cNvPr id="11" name="Rectangle 10"/>
           <p:cNvSpPr/>
           <p:nvPr/>
         </p:nvSpPr>
         <p:spPr>
           <a:xfrm>
-            <a:off x="2514600" y="4267200"/>
-            <a:ext cx="1447800" cy="381000"/>
+            <a:off x="2514600" y="5638800"/>
+            <a:ext cx="1409439" cy="322521"/>
           </a:xfrm>
           <a:prstGeom prst="rect">
             <a:avLst/>
@@ -6165,16 +6165,16 @@
           <a:p>
             <a:pPr algn="ctr"/>
             <a:r>
-              <a:rPr lang="en-US" sz="1400" smtClean="0">
+              <a:rPr lang="en-US" sz="1200" dirty="0" err="1" smtClean="0">
                 <a:solidFill>
                   <a:schemeClr val="accent3">
                     <a:lumMod val="50000"/>
                   </a:schemeClr>
                 </a:solidFill>
               </a:rPr>
-              <a:t>LeftDisplayPanel</a:t>
-            </a:r>
-            <a:endParaRPr lang="en-US" sz="1400" dirty="0">
+              <a:t>StatusBarFooter</a:t>
+            </a:r>
+            <a:endParaRPr lang="en-US" sz="1200" dirty="0">
               <a:solidFill>
                 <a:schemeClr val="accent3">
                   <a:lumMod val="50000"/>
@@ -6186,14 +6186,14 @@
       </p:sp>
       <p:sp>
         <p:nvSpPr>
-          <p:cNvPr id="11" name="Rectangle 10"/>
+          <p:cNvPr id="12" name="Rectangle 11"/>
           <p:cNvSpPr/>
           <p:nvPr/>
         </p:nvSpPr>
         <p:spPr>
           <a:xfrm>
-            <a:off x="2514600" y="5466019"/>
-            <a:ext cx="1447800" cy="381000"/>
+            <a:off x="2514599" y="6066758"/>
+            <a:ext cx="1409439" cy="334041"/>
           </a:xfrm>
           <a:prstGeom prst="rect">
             <a:avLst/>
@@ -6234,16 +6234,16 @@
           <a:p>
             <a:pPr algn="ctr"/>
             <a:r>
-              <a:rPr lang="en-US" sz="1400" dirty="0" err="1" smtClean="0">
+              <a:rPr lang="en-US" sz="1200" dirty="0" err="1" smtClean="0">
                 <a:solidFill>
                   <a:schemeClr val="accent3">
                     <a:lumMod val="50000"/>
                   </a:schemeClr>
                 </a:solidFill>
               </a:rPr>
-              <a:t>StatusBarFooter</a:t>
-            </a:r>
-            <a:endParaRPr lang="en-US" sz="1400" dirty="0">
+              <a:t>HelpWindow</a:t>
+            </a:r>
+            <a:endParaRPr lang="en-US" sz="1200" dirty="0">
               <a:solidFill>
                 <a:schemeClr val="accent3">
                   <a:lumMod val="50000"/>
@@ -6255,14 +6255,14 @@
       </p:sp>
       <p:sp>
         <p:nvSpPr>
-          <p:cNvPr id="12" name="Rectangle 11"/>
+          <p:cNvPr id="13" name="Rectangle 12"/>
           <p:cNvSpPr/>
           <p:nvPr/>
         </p:nvSpPr>
         <p:spPr>
           <a:xfrm>
-            <a:off x="2514600" y="6019800"/>
-            <a:ext cx="1447800" cy="381000"/>
+            <a:off x="4495800" y="3509062"/>
+            <a:ext cx="1714499" cy="300938"/>
           </a:xfrm>
           <a:prstGeom prst="rect">
             <a:avLst/>
@@ -6303,16 +6303,16 @@
           <a:p>
             <a:pPr algn="ctr"/>
             <a:r>
-              <a:rPr lang="en-US" sz="1400" dirty="0" err="1" smtClean="0">
+              <a:rPr lang="en-US" sz="1200" dirty="0" err="1" smtClean="0">
                 <a:solidFill>
                   <a:schemeClr val="accent3">
                     <a:lumMod val="50000"/>
                   </a:schemeClr>
                 </a:solidFill>
               </a:rPr>
-              <a:t>HelpWindow</a:t>
-            </a:r>
-            <a:endParaRPr lang="en-US" sz="1400" dirty="0">
+              <a:t>MessageDisplay</a:t>
+            </a:r>
+            <a:endParaRPr lang="en-US" sz="1200" dirty="0">
               <a:solidFill>
                 <a:schemeClr val="accent3">
                   <a:lumMod val="50000"/>
@@ -6324,14 +6324,14 @@
       </p:sp>
       <p:sp>
         <p:nvSpPr>
-          <p:cNvPr id="13" name="Rectangle 12"/>
+          <p:cNvPr id="14" name="Rectangle 13"/>
           <p:cNvSpPr/>
           <p:nvPr/>
         </p:nvSpPr>
         <p:spPr>
           <a:xfrm>
-            <a:off x="4495800" y="4038600"/>
-            <a:ext cx="1447800" cy="381000"/>
+            <a:off x="4495800" y="3962400"/>
+            <a:ext cx="1714500" cy="304800"/>
           </a:xfrm>
           <a:prstGeom prst="rect">
             <a:avLst/>
@@ -6372,16 +6372,16 @@
           <a:p>
             <a:pPr algn="ctr"/>
             <a:r>
-              <a:rPr lang="en-US" sz="1400" dirty="0" err="1" smtClean="0">
+              <a:rPr lang="en-US" sz="1200" dirty="0" err="1" smtClean="0">
                 <a:solidFill>
                   <a:schemeClr val="accent3">
                     <a:lumMod val="50000"/>
                   </a:schemeClr>
                 </a:solidFill>
               </a:rPr>
-              <a:t>MessageDisplay</a:t>
-            </a:r>
-            <a:endParaRPr lang="en-US" sz="1400" dirty="0">
+              <a:t>PersonListPanel</a:t>
+            </a:r>
+            <a:endParaRPr lang="en-US" sz="1200" dirty="0">
               <a:solidFill>
                 <a:schemeClr val="accent3">
                   <a:lumMod val="50000"/>
@@ -6393,14 +6393,14 @@
       </p:sp>
       <p:sp>
         <p:nvSpPr>
-          <p:cNvPr id="14" name="Rectangle 13"/>
+          <p:cNvPr id="16" name="Rectangle 15"/>
           <p:cNvSpPr/>
           <p:nvPr/>
         </p:nvSpPr>
         <p:spPr>
           <a:xfrm>
-            <a:off x="4495800" y="4533900"/>
-            <a:ext cx="1447800" cy="381000"/>
+            <a:off x="6629400" y="685800"/>
+            <a:ext cx="990600" cy="416203"/>
           </a:xfrm>
           <a:prstGeom prst="rect">
             <a:avLst/>
@@ -6441,6 +6441,19 @@
           <a:p>
             <a:pPr algn="ctr"/>
             <a:r>
+              <a:rPr lang="en-US" sz="1400" dirty="0" smtClean="0">
+                <a:solidFill>
+                  <a:schemeClr val="accent3">
+                    <a:lumMod val="50000"/>
+                  </a:schemeClr>
+                </a:solidFill>
+              </a:rPr>
+              <a:t>{abstract}</a:t>
+            </a:r>
+          </a:p>
+          <a:p>
+            <a:pPr algn="ctr"/>
+            <a:r>
               <a:rPr lang="en-US" sz="1400" dirty="0" err="1" smtClean="0">
                 <a:solidFill>
                   <a:schemeClr val="accent3">
@@ -6448,160 +6461,9 @@
                   </a:schemeClr>
                 </a:solidFill>
               </a:rPr>
-              <a:t>PersonListPanel</a:t>
+              <a:t>UiPart</a:t>
             </a:r>
             <a:endParaRPr lang="en-US" sz="1400" dirty="0">
-              <a:solidFill>
-                <a:schemeClr val="accent3">
-                  <a:lumMod val="50000"/>
-                </a:schemeClr>
-              </a:solidFill>
-            </a:endParaRPr>
-          </a:p>
-        </p:txBody>
-      </p:sp>
-      <p:sp>
-        <p:nvSpPr>
-          <p:cNvPr id="15" name="Rectangle 14"/>
-          <p:cNvSpPr/>
-          <p:nvPr/>
-        </p:nvSpPr>
-        <p:spPr>
-          <a:xfrm>
-            <a:off x="5715000" y="5029200"/>
-            <a:ext cx="1143000" cy="381000"/>
-          </a:xfrm>
-          <a:prstGeom prst="rect">
-            <a:avLst/>
-          </a:prstGeom>
-          <a:solidFill>
-            <a:schemeClr val="accent3">
-              <a:lumMod val="40000"/>
-              <a:lumOff val="60000"/>
-            </a:schemeClr>
-          </a:solidFill>
-          <a:ln>
-            <a:solidFill>
-              <a:schemeClr val="accent3">
-                <a:lumMod val="75000"/>
-              </a:schemeClr>
-            </a:solidFill>
-          </a:ln>
-        </p:spPr>
-        <p:style>
-          <a:lnRef idx="2">
-            <a:schemeClr val="accent1">
-              <a:shade val="50000"/>
-            </a:schemeClr>
-          </a:lnRef>
-          <a:fillRef idx="1">
-            <a:schemeClr val="accent1"/>
-          </a:fillRef>
-          <a:effectRef idx="0">
-            <a:schemeClr val="accent1"/>
-          </a:effectRef>
-          <a:fontRef idx="minor">
-            <a:schemeClr val="lt1"/>
-          </a:fontRef>
-        </p:style>
-        <p:txBody>
-          <a:bodyPr rtlCol="0" anchor="ctr"/>
-          <a:lstStyle/>
-          <a:p>
-            <a:pPr algn="ctr"/>
-            <a:r>
-              <a:rPr lang="en-US" sz="1400" dirty="0" err="1" smtClean="0">
-                <a:solidFill>
-                  <a:schemeClr val="accent3">
-                    <a:lumMod val="50000"/>
-                  </a:schemeClr>
-                </a:solidFill>
-              </a:rPr>
-              <a:t>PersonCard</a:t>
-            </a:r>
-            <a:endParaRPr lang="en-US" sz="1400" dirty="0">
-              <a:solidFill>
-                <a:schemeClr val="accent3">
-                  <a:lumMod val="50000"/>
-                </a:schemeClr>
-              </a:solidFill>
-            </a:endParaRPr>
-          </a:p>
-        </p:txBody>
-      </p:sp>
-      <p:sp>
-        <p:nvSpPr>
-          <p:cNvPr id="16" name="Rectangle 15"/>
-          <p:cNvSpPr/>
-          <p:nvPr/>
-        </p:nvSpPr>
-        <p:spPr>
-          <a:xfrm>
-            <a:off x="6553200" y="835923"/>
-            <a:ext cx="1143000" cy="497577"/>
-          </a:xfrm>
-          <a:prstGeom prst="rect">
-            <a:avLst/>
-          </a:prstGeom>
-          <a:solidFill>
-            <a:schemeClr val="accent3">
-              <a:lumMod val="40000"/>
-              <a:lumOff val="60000"/>
-            </a:schemeClr>
-          </a:solidFill>
-          <a:ln>
-            <a:solidFill>
-              <a:schemeClr val="accent3">
-                <a:lumMod val="75000"/>
-              </a:schemeClr>
-            </a:solidFill>
-          </a:ln>
-        </p:spPr>
-        <p:style>
-          <a:lnRef idx="2">
-            <a:schemeClr val="accent1">
-              <a:shade val="50000"/>
-            </a:schemeClr>
-          </a:lnRef>
-          <a:fillRef idx="1">
-            <a:schemeClr val="accent1"/>
-          </a:fillRef>
-          <a:effectRef idx="0">
-            <a:schemeClr val="accent1"/>
-          </a:effectRef>
-          <a:fontRef idx="minor">
-            <a:schemeClr val="lt1"/>
-          </a:fontRef>
-        </p:style>
-        <p:txBody>
-          <a:bodyPr rtlCol="0" anchor="ctr"/>
-          <a:lstStyle/>
-          <a:p>
-            <a:pPr algn="ctr"/>
-            <a:r>
-              <a:rPr lang="en-US" sz="1600" dirty="0" smtClean="0">
-                <a:solidFill>
-                  <a:schemeClr val="accent3">
-                    <a:lumMod val="50000"/>
-                  </a:schemeClr>
-                </a:solidFill>
-              </a:rPr>
-              <a:t>{abstract}</a:t>
-            </a:r>
-          </a:p>
-          <a:p>
-            <a:pPr algn="ctr"/>
-            <a:r>
-              <a:rPr lang="en-US" sz="1600" dirty="0" err="1" smtClean="0">
-                <a:solidFill>
-                  <a:schemeClr val="accent3">
-                    <a:lumMod val="50000"/>
-                  </a:schemeClr>
-                </a:solidFill>
-              </a:rPr>
-              <a:t>UiPart</a:t>
-            </a:r>
-            <a:endParaRPr lang="en-US" sz="1600" dirty="0">
               <a:solidFill>
                 <a:schemeClr val="accent3">
                   <a:lumMod val="50000"/>
@@ -6787,7 +6649,7 @@
         </p:nvSpPr>
         <p:spPr>
           <a:xfrm rot="10800000" flipV="1">
-            <a:off x="7014570" y="1331223"/>
+            <a:off x="7014570" y="1102003"/>
             <a:ext cx="270504" cy="228600"/>
           </a:xfrm>
           <a:prstGeom prst="triangle">
@@ -6840,8 +6702,8 @@
         </p:nvCxnSpPr>
         <p:spPr>
           <a:xfrm rot="10800000" flipV="1">
-            <a:off x="1219200" y="1028700"/>
-            <a:ext cx="609600" cy="712338"/>
+            <a:off x="1219200" y="989462"/>
+            <a:ext cx="609600" cy="751576"/>
           </a:xfrm>
           <a:prstGeom prst="bentConnector2">
             <a:avLst/>
@@ -6878,8 +6740,8 @@
         </p:nvCxnSpPr>
         <p:spPr>
           <a:xfrm rot="16200000" flipH="1">
-            <a:off x="171450" y="3867150"/>
-            <a:ext cx="4152900" cy="533400"/>
+            <a:off x="-28178" y="3691002"/>
+            <a:ext cx="4513794" cy="571760"/>
           </a:xfrm>
           <a:prstGeom prst="bentConnector2">
             <a:avLst/>
@@ -6917,7 +6779,7 @@
         </p:nvSpPr>
         <p:spPr>
           <a:xfrm>
-            <a:off x="2030926" y="2081740"/>
+            <a:off x="2030926" y="1738840"/>
             <a:ext cx="407474" cy="318560"/>
           </a:xfrm>
           <a:prstGeom prst="flowChartDecision">
@@ -6974,8 +6836,8 @@
         </p:nvCxnSpPr>
         <p:spPr>
           <a:xfrm rot="16200000" flipH="1">
-            <a:off x="2279381" y="2355581"/>
-            <a:ext cx="190500" cy="279937"/>
+            <a:off x="2229543" y="2062519"/>
+            <a:ext cx="290176" cy="279937"/>
           </a:xfrm>
           <a:prstGeom prst="bentConnector2">
             <a:avLst/>
@@ -7016,8 +6878,8 @@
         </p:nvCxnSpPr>
         <p:spPr>
           <a:xfrm rot="16200000" flipH="1">
-            <a:off x="1726931" y="2908031"/>
-            <a:ext cx="1295400" cy="279937"/>
+            <a:off x="1793606" y="2498456"/>
+            <a:ext cx="1162050" cy="279937"/>
           </a:xfrm>
           <a:prstGeom prst="bentConnector2">
             <a:avLst/>
@@ -7058,8 +6920,8 @@
         </p:nvCxnSpPr>
         <p:spPr>
           <a:xfrm rot="16200000" flipH="1">
-            <a:off x="1993631" y="2641331"/>
-            <a:ext cx="762000" cy="279937"/>
+            <a:off x="2006811" y="2285251"/>
+            <a:ext cx="735640" cy="279937"/>
           </a:xfrm>
           <a:prstGeom prst="bentConnector2">
             <a:avLst/>
@@ -7099,8 +6961,8 @@
         </p:nvCxnSpPr>
         <p:spPr>
           <a:xfrm rot="16200000" flipH="1">
-            <a:off x="1345931" y="3289030"/>
-            <a:ext cx="2057401" cy="279938"/>
+            <a:off x="1336689" y="2956511"/>
+            <a:ext cx="2075882" cy="279937"/>
           </a:xfrm>
           <a:prstGeom prst="bentConnector2">
             <a:avLst/>
@@ -7140,8 +7002,8 @@
         </p:nvCxnSpPr>
         <p:spPr>
           <a:xfrm rot="16200000" flipH="1">
-            <a:off x="746521" y="3888440"/>
-            <a:ext cx="3256220" cy="279938"/>
+            <a:off x="731901" y="4017362"/>
+            <a:ext cx="3285460" cy="279937"/>
           </a:xfrm>
           <a:prstGeom prst="bentConnector2">
             <a:avLst/>
@@ -7182,8 +7044,8 @@
         </p:nvCxnSpPr>
         <p:spPr>
           <a:xfrm flipV="1">
-            <a:off x="3962400" y="4229100"/>
-            <a:ext cx="533400" cy="228600"/>
+            <a:off x="3924036" y="3659531"/>
+            <a:ext cx="571764" cy="474890"/>
           </a:xfrm>
           <a:prstGeom prst="bentConnector3">
             <a:avLst/>
@@ -7218,13 +7080,14 @@
           <p:cNvPr id="67" name="Elbow Connector 66"/>
           <p:cNvCxnSpPr>
             <a:stCxn id="10" idx="3"/>
+            <a:endCxn id="14" idx="1"/>
           </p:cNvCxnSpPr>
           <p:nvPr/>
         </p:nvCxnSpPr>
         <p:spPr>
-          <a:xfrm>
-            <a:off x="3962400" y="4457700"/>
-            <a:ext cx="533400" cy="266700"/>
+          <a:xfrm flipV="1">
+            <a:off x="3924036" y="4114800"/>
+            <a:ext cx="571764" cy="19621"/>
           </a:xfrm>
           <a:prstGeom prst="bentConnector3">
             <a:avLst/>
@@ -7257,16 +7120,13 @@
       <p:cxnSp>
         <p:nvCxnSpPr>
           <p:cNvPr id="69" name="Elbow Connector 68"/>
-          <p:cNvCxnSpPr>
-            <a:stCxn id="14" idx="2"/>
-            <a:endCxn id="15" idx="1"/>
-          </p:cNvCxnSpPr>
+          <p:cNvCxnSpPr/>
           <p:nvPr/>
         </p:nvCxnSpPr>
         <p:spPr>
           <a:xfrm rot="16200000" flipH="1">
-            <a:off x="5314950" y="4819650"/>
-            <a:ext cx="304800" cy="495300"/>
+            <a:off x="4982056" y="4101071"/>
+            <a:ext cx="233711" cy="590550"/>
           </a:xfrm>
           <a:prstGeom prst="bentConnector2">
             <a:avLst/>
@@ -7307,8 +7167,8 @@
         </p:nvCxnSpPr>
         <p:spPr>
           <a:xfrm flipV="1">
-            <a:off x="3962400" y="1559823"/>
-            <a:ext cx="3187422" cy="4096696"/>
+            <a:off x="3924039" y="1330603"/>
+            <a:ext cx="3225783" cy="4469458"/>
           </a:xfrm>
           <a:prstGeom prst="bentConnector2">
             <a:avLst/>
@@ -7348,8 +7208,8 @@
         </p:nvCxnSpPr>
         <p:spPr>
           <a:xfrm flipV="1">
-            <a:off x="3962400" y="1559823"/>
-            <a:ext cx="3187422" cy="4650477"/>
+            <a:off x="3924038" y="1330603"/>
+            <a:ext cx="3225784" cy="4903176"/>
           </a:xfrm>
           <a:prstGeom prst="bentConnector2">
             <a:avLst/>
@@ -7433,19 +7293,914 @@
       </p:sp>
       <p:cxnSp>
         <p:nvCxnSpPr>
-          <p:cNvPr id="72" name="Elbow Connector 71"/>
+          <p:cNvPr id="87" name="Elbow Connector 86"/>
           <p:cNvCxnSpPr>
-            <a:stCxn id="15" idx="2"/>
+            <a:stCxn id="14" idx="3"/>
+            <a:endCxn id="20" idx="3"/>
+          </p:cNvCxnSpPr>
+          <p:nvPr/>
+        </p:nvCxnSpPr>
+        <p:spPr>
+          <a:xfrm flipV="1">
+            <a:off x="6210300" y="1330603"/>
+            <a:ext cx="939522" cy="2784197"/>
+          </a:xfrm>
+          <a:prstGeom prst="bentConnector2">
+            <a:avLst/>
+          </a:prstGeom>
+          <a:ln w="38100">
+            <a:solidFill>
+              <a:schemeClr val="accent3">
+                <a:lumMod val="60000"/>
+                <a:lumOff val="40000"/>
+              </a:schemeClr>
+            </a:solidFill>
+          </a:ln>
+        </p:spPr>
+        <p:style>
+          <a:lnRef idx="1">
+            <a:schemeClr val="accent1"/>
+          </a:lnRef>
+          <a:fillRef idx="0">
+            <a:schemeClr val="accent1"/>
+          </a:fillRef>
+          <a:effectRef idx="0">
+            <a:schemeClr val="accent1"/>
+          </a:effectRef>
+          <a:fontRef idx="minor">
+            <a:schemeClr val="tx1"/>
+          </a:fontRef>
+        </p:style>
+      </p:cxnSp>
+      <p:cxnSp>
+        <p:nvCxnSpPr>
+          <p:cNvPr id="91" name="Elbow Connector 90"/>
+          <p:cNvCxnSpPr>
+            <a:stCxn id="13" idx="3"/>
+            <a:endCxn id="20" idx="3"/>
+          </p:cNvCxnSpPr>
+          <p:nvPr/>
+        </p:nvCxnSpPr>
+        <p:spPr>
+          <a:xfrm flipV="1">
+            <a:off x="6210299" y="1330603"/>
+            <a:ext cx="939523" cy="2328928"/>
+          </a:xfrm>
+          <a:prstGeom prst="bentConnector2">
+            <a:avLst/>
+          </a:prstGeom>
+          <a:ln w="38100">
+            <a:solidFill>
+              <a:schemeClr val="accent3">
+                <a:lumMod val="60000"/>
+                <a:lumOff val="40000"/>
+              </a:schemeClr>
+            </a:solidFill>
+          </a:ln>
+        </p:spPr>
+        <p:style>
+          <a:lnRef idx="1">
+            <a:schemeClr val="accent1"/>
+          </a:lnRef>
+          <a:fillRef idx="0">
+            <a:schemeClr val="accent1"/>
+          </a:fillRef>
+          <a:effectRef idx="0">
+            <a:schemeClr val="accent1"/>
+          </a:effectRef>
+          <a:fontRef idx="minor">
+            <a:schemeClr val="tx1"/>
+          </a:fontRef>
+        </p:style>
+      </p:cxnSp>
+      <p:cxnSp>
+        <p:nvCxnSpPr>
+          <p:cNvPr id="93" name="Elbow Connector 92"/>
+          <p:cNvCxnSpPr>
+            <a:stCxn id="9" idx="3"/>
+            <a:endCxn id="20" idx="3"/>
+          </p:cNvCxnSpPr>
+          <p:nvPr/>
+        </p:nvCxnSpPr>
+        <p:spPr>
+          <a:xfrm flipV="1">
+            <a:off x="3924036" y="1330603"/>
+            <a:ext cx="3225786" cy="1888847"/>
+          </a:xfrm>
+          <a:prstGeom prst="bentConnector2">
+            <a:avLst/>
+          </a:prstGeom>
+          <a:ln w="38100">
+            <a:solidFill>
+              <a:schemeClr val="accent3">
+                <a:lumMod val="60000"/>
+                <a:lumOff val="40000"/>
+              </a:schemeClr>
+            </a:solidFill>
+          </a:ln>
+        </p:spPr>
+        <p:style>
+          <a:lnRef idx="1">
+            <a:schemeClr val="accent1"/>
+          </a:lnRef>
+          <a:fillRef idx="0">
+            <a:schemeClr val="accent1"/>
+          </a:fillRef>
+          <a:effectRef idx="0">
+            <a:schemeClr val="accent1"/>
+          </a:effectRef>
+          <a:fontRef idx="minor">
+            <a:schemeClr val="tx1"/>
+          </a:fontRef>
+        </p:style>
+      </p:cxnSp>
+      <p:cxnSp>
+        <p:nvCxnSpPr>
+          <p:cNvPr id="95" name="Elbow Connector 94"/>
+          <p:cNvCxnSpPr>
+            <a:stCxn id="8" idx="3"/>
+            <a:endCxn id="20" idx="3"/>
+          </p:cNvCxnSpPr>
+          <p:nvPr/>
+        </p:nvCxnSpPr>
+        <p:spPr>
+          <a:xfrm flipV="1">
+            <a:off x="3924035" y="1330603"/>
+            <a:ext cx="3225787" cy="1462437"/>
+          </a:xfrm>
+          <a:prstGeom prst="bentConnector2">
+            <a:avLst/>
+          </a:prstGeom>
+          <a:ln w="38100">
+            <a:solidFill>
+              <a:schemeClr val="accent3">
+                <a:lumMod val="60000"/>
+                <a:lumOff val="40000"/>
+              </a:schemeClr>
+            </a:solidFill>
+          </a:ln>
+        </p:spPr>
+        <p:style>
+          <a:lnRef idx="1">
+            <a:schemeClr val="accent1"/>
+          </a:lnRef>
+          <a:fillRef idx="0">
+            <a:schemeClr val="accent1"/>
+          </a:fillRef>
+          <a:effectRef idx="0">
+            <a:schemeClr val="accent1"/>
+          </a:effectRef>
+          <a:fontRef idx="minor">
+            <a:schemeClr val="tx1"/>
+          </a:fontRef>
+        </p:style>
+      </p:cxnSp>
+      <p:cxnSp>
+        <p:nvCxnSpPr>
+          <p:cNvPr id="97" name="Elbow Connector 96"/>
+          <p:cNvCxnSpPr>
+            <a:stCxn id="7" idx="3"/>
+            <a:endCxn id="20" idx="3"/>
+          </p:cNvCxnSpPr>
+          <p:nvPr/>
+        </p:nvCxnSpPr>
+        <p:spPr>
+          <a:xfrm flipV="1">
+            <a:off x="3924034" y="1330603"/>
+            <a:ext cx="3225788" cy="1016973"/>
+          </a:xfrm>
+          <a:prstGeom prst="bentConnector2">
+            <a:avLst/>
+          </a:prstGeom>
+          <a:ln w="38100">
+            <a:solidFill>
+              <a:schemeClr val="accent3">
+                <a:lumMod val="60000"/>
+                <a:lumOff val="40000"/>
+              </a:schemeClr>
+            </a:solidFill>
+          </a:ln>
+        </p:spPr>
+        <p:style>
+          <a:lnRef idx="1">
+            <a:schemeClr val="accent1"/>
+          </a:lnRef>
+          <a:fillRef idx="0">
+            <a:schemeClr val="accent1"/>
+          </a:fillRef>
+          <a:effectRef idx="0">
+            <a:schemeClr val="accent1"/>
+          </a:effectRef>
+          <a:fontRef idx="minor">
+            <a:schemeClr val="tx1"/>
+          </a:fontRef>
+        </p:style>
+      </p:cxnSp>
+      <p:cxnSp>
+        <p:nvCxnSpPr>
+          <p:cNvPr id="115" name="Elbow Connector 114"/>
+          <p:cNvCxnSpPr>
+            <a:stCxn id="6" idx="3"/>
+            <a:endCxn id="20" idx="3"/>
+          </p:cNvCxnSpPr>
+          <p:nvPr/>
+        </p:nvCxnSpPr>
+        <p:spPr>
+          <a:xfrm flipV="1">
+            <a:off x="3048000" y="1330603"/>
+            <a:ext cx="4101822" cy="194535"/>
+          </a:xfrm>
+          <a:prstGeom prst="bentConnector2">
+            <a:avLst/>
+          </a:prstGeom>
+          <a:ln w="38100">
+            <a:solidFill>
+              <a:schemeClr val="accent3">
+                <a:lumMod val="60000"/>
+                <a:lumOff val="40000"/>
+              </a:schemeClr>
+            </a:solidFill>
+          </a:ln>
+        </p:spPr>
+        <p:style>
+          <a:lnRef idx="1">
+            <a:schemeClr val="accent1"/>
+          </a:lnRef>
+          <a:fillRef idx="0">
+            <a:schemeClr val="accent1"/>
+          </a:fillRef>
+          <a:effectRef idx="0">
+            <a:schemeClr val="accent1"/>
+          </a:effectRef>
+          <a:fontRef idx="minor">
+            <a:schemeClr val="tx1"/>
+          </a:fontRef>
+        </p:style>
+      </p:cxnSp>
+      <p:cxnSp>
+        <p:nvCxnSpPr>
+          <p:cNvPr id="118" name="Elbow Connector 117"/>
+          <p:cNvCxnSpPr>
+            <a:stCxn id="5" idx="0"/>
+          </p:cNvCxnSpPr>
+          <p:nvPr/>
+        </p:nvCxnSpPr>
+        <p:spPr>
+          <a:xfrm rot="5400000" flipH="1" flipV="1">
+            <a:off x="5080539" y="-2070637"/>
+            <a:ext cx="228599" cy="5589076"/>
+          </a:xfrm>
+          <a:prstGeom prst="bentConnector2">
+            <a:avLst/>
+          </a:prstGeom>
+          <a:ln w="38100">
+            <a:solidFill>
+              <a:srgbClr val="00B050"/>
+            </a:solidFill>
+            <a:tailEnd type="triangle"/>
+          </a:ln>
+        </p:spPr>
+        <p:style>
+          <a:lnRef idx="1">
+            <a:schemeClr val="accent1"/>
+          </a:lnRef>
+          <a:fillRef idx="0">
+            <a:schemeClr val="accent1"/>
+          </a:fillRef>
+          <a:effectRef idx="0">
+            <a:schemeClr val="accent1"/>
+          </a:effectRef>
+          <a:fontRef idx="minor">
+            <a:schemeClr val="tx1"/>
+          </a:fontRef>
+        </p:style>
+      </p:cxnSp>
+      <p:sp>
+        <p:nvSpPr>
+          <p:cNvPr id="124" name="Rectangle 123"/>
+          <p:cNvSpPr/>
+          <p:nvPr/>
+        </p:nvSpPr>
+        <p:spPr>
+          <a:xfrm>
+            <a:off x="7035159" y="1828800"/>
+            <a:ext cx="249915" cy="266080"/>
+          </a:xfrm>
+          <a:prstGeom prst="rect">
+            <a:avLst/>
+          </a:prstGeom>
+          <a:solidFill>
+            <a:schemeClr val="accent3">
+              <a:lumMod val="20000"/>
+              <a:lumOff val="80000"/>
+              <a:alpha val="80000"/>
+            </a:schemeClr>
+          </a:solidFill>
+          <a:ln>
+            <a:noFill/>
+          </a:ln>
+          <a:effectLst>
+            <a:softEdge rad="31750"/>
+          </a:effectLst>
+        </p:spPr>
+        <p:style>
+          <a:lnRef idx="2">
+            <a:schemeClr val="accent1">
+              <a:shade val="50000"/>
+            </a:schemeClr>
+          </a:lnRef>
+          <a:fillRef idx="1">
+            <a:schemeClr val="accent1"/>
+          </a:fillRef>
+          <a:effectRef idx="0">
+            <a:schemeClr val="accent1"/>
+          </a:effectRef>
+          <a:fontRef idx="minor">
+            <a:schemeClr val="lt1"/>
+          </a:fontRef>
+        </p:style>
+        <p:txBody>
+          <a:bodyPr rtlCol="0" anchor="ctr"/>
+          <a:lstStyle/>
+          <a:p>
+            <a:pPr algn="ctr"/>
+            <a:endParaRPr lang="en-SG"/>
+          </a:p>
+        </p:txBody>
+      </p:sp>
+      <p:cxnSp>
+        <p:nvCxnSpPr>
+          <p:cNvPr id="123" name="Elbow Connector 122"/>
+          <p:cNvCxnSpPr>
+            <a:stCxn id="7" idx="0"/>
+          </p:cNvCxnSpPr>
+          <p:nvPr/>
+        </p:nvCxnSpPr>
+        <p:spPr>
+          <a:xfrm rot="5400000" flipH="1" flipV="1">
+            <a:off x="5485617" y="-323202"/>
+            <a:ext cx="237459" cy="4770058"/>
+          </a:xfrm>
+          <a:prstGeom prst="bentConnector2">
+            <a:avLst/>
+          </a:prstGeom>
+          <a:ln w="38100">
+            <a:solidFill>
+              <a:srgbClr val="00B050"/>
+            </a:solidFill>
+            <a:tailEnd type="triangle"/>
+          </a:ln>
+        </p:spPr>
+        <p:style>
+          <a:lnRef idx="1">
+            <a:schemeClr val="accent1"/>
+          </a:lnRef>
+          <a:fillRef idx="0">
+            <a:schemeClr val="accent1"/>
+          </a:fillRef>
+          <a:effectRef idx="0">
+            <a:schemeClr val="accent1"/>
+          </a:effectRef>
+          <a:fontRef idx="minor">
+            <a:schemeClr val="tx1"/>
+          </a:fontRef>
+        </p:style>
+      </p:cxnSp>
+      <p:sp>
+        <p:nvSpPr>
+          <p:cNvPr id="137" name="Rectangle 136"/>
+          <p:cNvSpPr/>
+          <p:nvPr/>
+        </p:nvSpPr>
+        <p:spPr>
+          <a:xfrm>
+            <a:off x="7045453" y="3276600"/>
+            <a:ext cx="239621" cy="283619"/>
+          </a:xfrm>
+          <a:prstGeom prst="rect">
+            <a:avLst/>
+          </a:prstGeom>
+          <a:solidFill>
+            <a:schemeClr val="accent3">
+              <a:lumMod val="20000"/>
+              <a:lumOff val="80000"/>
+              <a:alpha val="80000"/>
+            </a:schemeClr>
+          </a:solidFill>
+          <a:ln>
+            <a:noFill/>
+          </a:ln>
+          <a:effectLst>
+            <a:softEdge rad="31750"/>
+          </a:effectLst>
+        </p:spPr>
+        <p:style>
+          <a:lnRef idx="2">
+            <a:schemeClr val="accent1">
+              <a:shade val="50000"/>
+            </a:schemeClr>
+          </a:lnRef>
+          <a:fillRef idx="1">
+            <a:schemeClr val="accent1"/>
+          </a:fillRef>
+          <a:effectRef idx="0">
+            <a:schemeClr val="accent1"/>
+          </a:effectRef>
+          <a:fontRef idx="minor">
+            <a:schemeClr val="lt1"/>
+          </a:fontRef>
+        </p:style>
+        <p:txBody>
+          <a:bodyPr rtlCol="0" anchor="ctr"/>
+          <a:lstStyle/>
+          <a:p>
+            <a:pPr algn="ctr"/>
+            <a:endParaRPr lang="en-SG"/>
+          </a:p>
+        </p:txBody>
+      </p:sp>
+      <p:sp>
+        <p:nvSpPr>
+          <p:cNvPr id="6" name="Rectangle 5"/>
+          <p:cNvSpPr/>
+          <p:nvPr/>
+        </p:nvSpPr>
+        <p:spPr>
+          <a:xfrm>
+            <a:off x="1752600" y="1335777"/>
+            <a:ext cx="1295400" cy="378722"/>
+          </a:xfrm>
+          <a:prstGeom prst="rect">
+            <a:avLst/>
+          </a:prstGeom>
+          <a:solidFill>
+            <a:schemeClr val="accent3">
+              <a:lumMod val="40000"/>
+              <a:lumOff val="60000"/>
+            </a:schemeClr>
+          </a:solidFill>
+          <a:ln>
+            <a:solidFill>
+              <a:schemeClr val="accent3">
+                <a:lumMod val="75000"/>
+              </a:schemeClr>
+            </a:solidFill>
+          </a:ln>
+        </p:spPr>
+        <p:style>
+          <a:lnRef idx="2">
+            <a:schemeClr val="accent1">
+              <a:shade val="50000"/>
+            </a:schemeClr>
+          </a:lnRef>
+          <a:fillRef idx="1">
+            <a:schemeClr val="accent1"/>
+          </a:fillRef>
+          <a:effectRef idx="0">
+            <a:schemeClr val="accent1"/>
+          </a:effectRef>
+          <a:fontRef idx="minor">
+            <a:schemeClr val="lt1"/>
+          </a:fontRef>
+        </p:style>
+        <p:txBody>
+          <a:bodyPr rtlCol="0" anchor="ctr"/>
+          <a:lstStyle/>
+          <a:p>
+            <a:pPr algn="ctr"/>
+            <a:r>
+              <a:rPr lang="en-US" sz="1400" dirty="0" err="1" smtClean="0">
+                <a:solidFill>
+                  <a:schemeClr val="accent3">
+                    <a:lumMod val="50000"/>
+                  </a:schemeClr>
+                </a:solidFill>
+              </a:rPr>
+              <a:t>MainWindow</a:t>
+            </a:r>
+            <a:endParaRPr lang="en-US" sz="1400" dirty="0">
+              <a:solidFill>
+                <a:schemeClr val="accent3">
+                  <a:lumMod val="50000"/>
+                </a:schemeClr>
+              </a:solidFill>
+            </a:endParaRPr>
+          </a:p>
+        </p:txBody>
+      </p:sp>
+      <p:sp>
+        <p:nvSpPr>
+          <p:cNvPr id="15" name="Rectangle 14"/>
+          <p:cNvSpPr/>
+          <p:nvPr/>
+        </p:nvSpPr>
+        <p:spPr>
+          <a:xfrm>
+            <a:off x="5353048" y="4429822"/>
+            <a:ext cx="1450578" cy="294578"/>
+          </a:xfrm>
+          <a:prstGeom prst="rect">
+            <a:avLst/>
+          </a:prstGeom>
+          <a:solidFill>
+            <a:schemeClr val="accent3">
+              <a:lumMod val="40000"/>
+              <a:lumOff val="60000"/>
+            </a:schemeClr>
+          </a:solidFill>
+          <a:ln>
+            <a:solidFill>
+              <a:schemeClr val="accent3">
+                <a:lumMod val="75000"/>
+              </a:schemeClr>
+            </a:solidFill>
+          </a:ln>
+        </p:spPr>
+        <p:style>
+          <a:lnRef idx="2">
+            <a:schemeClr val="accent1">
+              <a:shade val="50000"/>
+            </a:schemeClr>
+          </a:lnRef>
+          <a:fillRef idx="1">
+            <a:schemeClr val="accent1"/>
+          </a:fillRef>
+          <a:effectRef idx="0">
+            <a:schemeClr val="accent1"/>
+          </a:effectRef>
+          <a:fontRef idx="minor">
+            <a:schemeClr val="lt1"/>
+          </a:fontRef>
+        </p:style>
+        <p:txBody>
+          <a:bodyPr rtlCol="0" anchor="ctr"/>
+          <a:lstStyle/>
+          <a:p>
+            <a:pPr algn="ctr"/>
+            <a:r>
+              <a:rPr lang="en-US" sz="1200" dirty="0" err="1" smtClean="0">
+                <a:solidFill>
+                  <a:schemeClr val="accent3">
+                    <a:lumMod val="50000"/>
+                  </a:schemeClr>
+                </a:solidFill>
+              </a:rPr>
+              <a:t>PersonCard</a:t>
+            </a:r>
+            <a:endParaRPr lang="en-US" sz="1200" dirty="0">
+              <a:solidFill>
+                <a:schemeClr val="accent3">
+                  <a:lumMod val="50000"/>
+                </a:schemeClr>
+              </a:solidFill>
+            </a:endParaRPr>
+          </a:p>
+        </p:txBody>
+      </p:sp>
+      <p:cxnSp>
+        <p:nvCxnSpPr>
+          <p:cNvPr id="125" name="Elbow Connector 124"/>
+          <p:cNvCxnSpPr>
+            <a:stCxn id="10" idx="3"/>
+            <a:endCxn id="109" idx="1"/>
+          </p:cNvCxnSpPr>
+          <p:nvPr/>
+        </p:nvCxnSpPr>
+        <p:spPr>
+          <a:xfrm>
+            <a:off x="3924036" y="4134421"/>
+            <a:ext cx="571764" cy="951928"/>
+          </a:xfrm>
+          <a:prstGeom prst="bentConnector3">
+            <a:avLst/>
+          </a:prstGeom>
+          <a:ln w="38100">
+            <a:solidFill>
+              <a:schemeClr val="accent3">
+                <a:lumMod val="60000"/>
+                <a:lumOff val="40000"/>
+              </a:schemeClr>
+            </a:solidFill>
+            <a:tailEnd type="triangle"/>
+          </a:ln>
+        </p:spPr>
+        <p:style>
+          <a:lnRef idx="1">
+            <a:schemeClr val="accent1"/>
+          </a:lnRef>
+          <a:fillRef idx="0">
+            <a:schemeClr val="accent1"/>
+          </a:fillRef>
+          <a:effectRef idx="0">
+            <a:schemeClr val="accent1"/>
+          </a:effectRef>
+          <a:fontRef idx="minor">
+            <a:schemeClr val="tx1"/>
+          </a:fontRef>
+        </p:style>
+      </p:cxnSp>
+      <p:cxnSp>
+        <p:nvCxnSpPr>
+          <p:cNvPr id="132" name="Elbow Connector 131"/>
+          <p:cNvCxnSpPr>
+            <a:endCxn id="129" idx="1"/>
+          </p:cNvCxnSpPr>
+          <p:nvPr/>
+        </p:nvCxnSpPr>
+        <p:spPr>
+          <a:xfrm>
+            <a:off x="4803636" y="5219697"/>
+            <a:ext cx="554129" cy="271814"/>
+          </a:xfrm>
+          <a:prstGeom prst="bentConnector3">
+            <a:avLst>
+              <a:gd name="adj1" fmla="val 2092"/>
+            </a:avLst>
+          </a:prstGeom>
+          <a:ln w="38100">
+            <a:solidFill>
+              <a:schemeClr val="accent3">
+                <a:lumMod val="60000"/>
+                <a:lumOff val="40000"/>
+              </a:schemeClr>
+            </a:solidFill>
+            <a:tailEnd type="triangle"/>
+          </a:ln>
+        </p:spPr>
+        <p:style>
+          <a:lnRef idx="1">
+            <a:schemeClr val="accent1"/>
+          </a:lnRef>
+          <a:fillRef idx="0">
+            <a:schemeClr val="accent1"/>
+          </a:fillRef>
+          <a:effectRef idx="0">
+            <a:schemeClr val="accent1"/>
+          </a:effectRef>
+          <a:fontRef idx="minor">
+            <a:schemeClr val="tx1"/>
+          </a:fontRef>
+        </p:style>
+      </p:cxnSp>
+      <p:sp>
+        <p:nvSpPr>
+          <p:cNvPr id="109" name="Rectangle 108"/>
+          <p:cNvSpPr/>
+          <p:nvPr/>
+        </p:nvSpPr>
+        <p:spPr>
+          <a:xfrm>
+            <a:off x="4495800" y="4914897"/>
+            <a:ext cx="1714500" cy="342903"/>
+          </a:xfrm>
+          <a:prstGeom prst="rect">
+            <a:avLst/>
+          </a:prstGeom>
+          <a:solidFill>
+            <a:schemeClr val="accent3">
+              <a:lumMod val="40000"/>
+              <a:lumOff val="60000"/>
+            </a:schemeClr>
+          </a:solidFill>
+          <a:ln>
+            <a:solidFill>
+              <a:schemeClr val="accent3">
+                <a:lumMod val="75000"/>
+              </a:schemeClr>
+            </a:solidFill>
+          </a:ln>
+        </p:spPr>
+        <p:style>
+          <a:lnRef idx="2">
+            <a:schemeClr val="accent1">
+              <a:shade val="50000"/>
+            </a:schemeClr>
+          </a:lnRef>
+          <a:fillRef idx="1">
+            <a:schemeClr val="accent1"/>
+          </a:fillRef>
+          <a:effectRef idx="0">
+            <a:schemeClr val="accent1"/>
+          </a:effectRef>
+          <a:fontRef idx="minor">
+            <a:schemeClr val="lt1"/>
+          </a:fontRef>
+        </p:style>
+        <p:txBody>
+          <a:bodyPr rtlCol="0" anchor="ctr"/>
+          <a:lstStyle/>
+          <a:p>
+            <a:pPr algn="ctr"/>
+            <a:r>
+              <a:rPr lang="en-US" sz="1200" smtClean="0">
+                <a:solidFill>
+                  <a:schemeClr val="accent3">
+                    <a:lumMod val="50000"/>
+                  </a:schemeClr>
+                </a:solidFill>
+              </a:rPr>
+              <a:t>PersonListBirthdayPanel</a:t>
+            </a:r>
+            <a:endParaRPr lang="en-US" sz="1200" dirty="0">
+              <a:solidFill>
+                <a:schemeClr val="accent3">
+                  <a:lumMod val="50000"/>
+                </a:schemeClr>
+              </a:solidFill>
+            </a:endParaRPr>
+          </a:p>
+        </p:txBody>
+      </p:sp>
+      <p:sp>
+        <p:nvSpPr>
+          <p:cNvPr id="129" name="Rectangle 128"/>
+          <p:cNvSpPr/>
+          <p:nvPr/>
+        </p:nvSpPr>
+        <p:spPr>
+          <a:xfrm>
+            <a:off x="5357765" y="5344222"/>
+            <a:ext cx="1448533" cy="294578"/>
+          </a:xfrm>
+          <a:prstGeom prst="rect">
+            <a:avLst/>
+          </a:prstGeom>
+          <a:solidFill>
+            <a:schemeClr val="accent3">
+              <a:lumMod val="40000"/>
+              <a:lumOff val="60000"/>
+            </a:schemeClr>
+          </a:solidFill>
+          <a:ln>
+            <a:solidFill>
+              <a:schemeClr val="accent3">
+                <a:lumMod val="75000"/>
+              </a:schemeClr>
+            </a:solidFill>
+          </a:ln>
+        </p:spPr>
+        <p:style>
+          <a:lnRef idx="2">
+            <a:schemeClr val="accent1">
+              <a:shade val="50000"/>
+            </a:schemeClr>
+          </a:lnRef>
+          <a:fillRef idx="1">
+            <a:schemeClr val="accent1"/>
+          </a:fillRef>
+          <a:effectRef idx="0">
+            <a:schemeClr val="accent1"/>
+          </a:effectRef>
+          <a:fontRef idx="minor">
+            <a:schemeClr val="lt1"/>
+          </a:fontRef>
+        </p:style>
+        <p:txBody>
+          <a:bodyPr rtlCol="0" anchor="ctr"/>
+          <a:lstStyle/>
+          <a:p>
+            <a:pPr algn="ctr"/>
+            <a:r>
+              <a:rPr lang="en-US" sz="1200" smtClean="0">
+                <a:solidFill>
+                  <a:schemeClr val="accent3">
+                    <a:lumMod val="50000"/>
+                  </a:schemeClr>
+                </a:solidFill>
+              </a:rPr>
+              <a:t>PersonCardBirthday</a:t>
+            </a:r>
+            <a:endParaRPr lang="en-US" sz="1200" dirty="0">
+              <a:solidFill>
+                <a:schemeClr val="accent3">
+                  <a:lumMod val="50000"/>
+                </a:schemeClr>
+              </a:solidFill>
+            </a:endParaRPr>
+          </a:p>
+        </p:txBody>
+      </p:sp>
+      <p:sp>
+        <p:nvSpPr>
+          <p:cNvPr id="151" name="Rectangle 150"/>
+          <p:cNvSpPr/>
+          <p:nvPr/>
+        </p:nvSpPr>
+        <p:spPr>
+          <a:xfrm>
+            <a:off x="7010400" y="4440781"/>
+            <a:ext cx="239621" cy="283619"/>
+          </a:xfrm>
+          <a:prstGeom prst="rect">
+            <a:avLst/>
+          </a:prstGeom>
+          <a:solidFill>
+            <a:schemeClr val="accent3">
+              <a:lumMod val="20000"/>
+              <a:lumOff val="80000"/>
+              <a:alpha val="80000"/>
+            </a:schemeClr>
+          </a:solidFill>
+          <a:ln>
+            <a:noFill/>
+          </a:ln>
+          <a:effectLst>
+            <a:softEdge rad="31750"/>
+          </a:effectLst>
+        </p:spPr>
+        <p:style>
+          <a:lnRef idx="2">
+            <a:schemeClr val="accent1">
+              <a:shade val="50000"/>
+            </a:schemeClr>
+          </a:lnRef>
+          <a:fillRef idx="1">
+            <a:schemeClr val="accent1"/>
+          </a:fillRef>
+          <a:effectRef idx="0">
+            <a:schemeClr val="accent1"/>
+          </a:effectRef>
+          <a:fontRef idx="minor">
+            <a:schemeClr val="lt1"/>
+          </a:fontRef>
+        </p:style>
+        <p:txBody>
+          <a:bodyPr rtlCol="0" anchor="ctr"/>
+          <a:lstStyle/>
+          <a:p>
+            <a:pPr algn="ctr"/>
+            <a:endParaRPr lang="en-SG"/>
+          </a:p>
+        </p:txBody>
+      </p:sp>
+      <p:sp>
+        <p:nvSpPr>
+          <p:cNvPr id="152" name="Rectangle 151"/>
+          <p:cNvSpPr/>
+          <p:nvPr/>
+        </p:nvSpPr>
+        <p:spPr>
+          <a:xfrm>
+            <a:off x="7010400" y="5334000"/>
+            <a:ext cx="239621" cy="283619"/>
+          </a:xfrm>
+          <a:prstGeom prst="rect">
+            <a:avLst/>
+          </a:prstGeom>
+          <a:solidFill>
+            <a:schemeClr val="accent3">
+              <a:lumMod val="20000"/>
+              <a:lumOff val="80000"/>
+              <a:alpha val="80000"/>
+            </a:schemeClr>
+          </a:solidFill>
+          <a:ln>
+            <a:noFill/>
+          </a:ln>
+          <a:effectLst>
+            <a:softEdge rad="31750"/>
+          </a:effectLst>
+        </p:spPr>
+        <p:style>
+          <a:lnRef idx="2">
+            <a:schemeClr val="accent1">
+              <a:shade val="50000"/>
+            </a:schemeClr>
+          </a:lnRef>
+          <a:fillRef idx="1">
+            <a:schemeClr val="accent1"/>
+          </a:fillRef>
+          <a:effectRef idx="0">
+            <a:schemeClr val="accent1"/>
+          </a:effectRef>
+          <a:fontRef idx="minor">
+            <a:schemeClr val="lt1"/>
+          </a:fontRef>
+        </p:style>
+        <p:txBody>
+          <a:bodyPr rtlCol="0" anchor="ctr"/>
+          <a:lstStyle/>
+          <a:p>
+            <a:pPr algn="ctr"/>
+            <a:endParaRPr lang="en-SG"/>
+          </a:p>
+        </p:txBody>
+      </p:sp>
+      <p:cxnSp>
+        <p:nvCxnSpPr>
+          <p:cNvPr id="147" name="Straight Arrow Connector 146"/>
+          <p:cNvCxnSpPr>
+            <a:stCxn id="129" idx="3"/>
             <a:endCxn id="18" idx="0"/>
           </p:cNvCxnSpPr>
           <p:nvPr/>
         </p:nvCxnSpPr>
         <p:spPr>
-          <a:xfrm rot="16200000" flipH="1">
-            <a:off x="7080789" y="4615910"/>
-            <a:ext cx="114299" cy="1702877"/>
-          </a:xfrm>
-          <a:prstGeom prst="bentConnector2">
+          <a:xfrm>
+            <a:off x="6806298" y="5491511"/>
+            <a:ext cx="1183079" cy="32988"/>
+          </a:xfrm>
+          <a:prstGeom prst="straightConnector1">
             <a:avLst/>
           </a:prstGeom>
           <a:ln w="38100">
@@ -7476,20 +8231,22 @@
       </p:cxnSp>
       <p:cxnSp>
         <p:nvCxnSpPr>
-          <p:cNvPr id="87" name="Elbow Connector 86"/>
+          <p:cNvPr id="130" name="Elbow Connector 129"/>
           <p:cNvCxnSpPr>
-            <a:stCxn id="14" idx="3"/>
-            <a:endCxn id="20" idx="3"/>
+            <a:stCxn id="13" idx="0"/>
           </p:cNvCxnSpPr>
           <p:nvPr/>
         </p:nvCxnSpPr>
         <p:spPr>
-          <a:xfrm flipV="1">
-            <a:off x="5943600" y="1559823"/>
-            <a:ext cx="1206222" cy="3164577"/>
-          </a:xfrm>
-          <a:prstGeom prst="bentConnector2">
-            <a:avLst/>
+          <a:xfrm rot="16200000" flipH="1">
+            <a:off x="5947796" y="2914316"/>
+            <a:ext cx="1446832" cy="2636324"/>
+          </a:xfrm>
+          <a:prstGeom prst="bentConnector4">
+            <a:avLst>
+              <a:gd name="adj1" fmla="val -8325"/>
+              <a:gd name="adj2" fmla="val 84906"/>
+            </a:avLst>
           </a:prstGeom>
           <a:ln w="38100">
             <a:solidFill>
@@ -7498,6 +8255,8 @@
                 <a:lumOff val="40000"/>
               </a:schemeClr>
             </a:solidFill>
+            <a:prstDash val="sysDot"/>
+            <a:tailEnd type="triangle"/>
           </a:ln>
         </p:spPr>
         <p:style>
@@ -7517,408 +8276,20 @@
       </p:cxnSp>
       <p:cxnSp>
         <p:nvCxnSpPr>
-          <p:cNvPr id="91" name="Elbow Connector 90"/>
+          <p:cNvPr id="138" name="Elbow Connector 137"/>
           <p:cNvCxnSpPr>
-            <a:stCxn id="13" idx="3"/>
-            <a:endCxn id="20" idx="3"/>
+            <a:stCxn id="15" idx="3"/>
           </p:cNvCxnSpPr>
           <p:nvPr/>
         </p:nvCxnSpPr>
         <p:spPr>
-          <a:xfrm flipV="1">
-            <a:off x="5943600" y="1559823"/>
-            <a:ext cx="1206222" cy="2669277"/>
-          </a:xfrm>
-          <a:prstGeom prst="bentConnector2">
-            <a:avLst/>
-          </a:prstGeom>
-          <a:ln w="38100">
-            <a:solidFill>
-              <a:schemeClr val="accent3">
-                <a:lumMod val="60000"/>
-                <a:lumOff val="40000"/>
-              </a:schemeClr>
-            </a:solidFill>
-          </a:ln>
-        </p:spPr>
-        <p:style>
-          <a:lnRef idx="1">
-            <a:schemeClr val="accent1"/>
-          </a:lnRef>
-          <a:fillRef idx="0">
-            <a:schemeClr val="accent1"/>
-          </a:fillRef>
-          <a:effectRef idx="0">
-            <a:schemeClr val="accent1"/>
-          </a:effectRef>
-          <a:fontRef idx="minor">
-            <a:schemeClr val="tx1"/>
-          </a:fontRef>
-        </p:style>
-      </p:cxnSp>
-      <p:cxnSp>
-        <p:nvCxnSpPr>
-          <p:cNvPr id="93" name="Elbow Connector 92"/>
-          <p:cNvCxnSpPr>
-            <a:stCxn id="9" idx="3"/>
-            <a:endCxn id="20" idx="3"/>
-          </p:cNvCxnSpPr>
-          <p:nvPr/>
-        </p:nvCxnSpPr>
-        <p:spPr>
-          <a:xfrm flipV="1">
-            <a:off x="3962400" y="1559823"/>
-            <a:ext cx="3187422" cy="2135877"/>
-          </a:xfrm>
-          <a:prstGeom prst="bentConnector2">
-            <a:avLst/>
-          </a:prstGeom>
-          <a:ln w="38100">
-            <a:solidFill>
-              <a:schemeClr val="accent3">
-                <a:lumMod val="60000"/>
-                <a:lumOff val="40000"/>
-              </a:schemeClr>
-            </a:solidFill>
-          </a:ln>
-        </p:spPr>
-        <p:style>
-          <a:lnRef idx="1">
-            <a:schemeClr val="accent1"/>
-          </a:lnRef>
-          <a:fillRef idx="0">
-            <a:schemeClr val="accent1"/>
-          </a:fillRef>
-          <a:effectRef idx="0">
-            <a:schemeClr val="accent1"/>
-          </a:effectRef>
-          <a:fontRef idx="minor">
-            <a:schemeClr val="tx1"/>
-          </a:fontRef>
-        </p:style>
-      </p:cxnSp>
-      <p:cxnSp>
-        <p:nvCxnSpPr>
-          <p:cNvPr id="95" name="Elbow Connector 94"/>
-          <p:cNvCxnSpPr>
-            <a:stCxn id="8" idx="3"/>
-            <a:endCxn id="20" idx="3"/>
-          </p:cNvCxnSpPr>
-          <p:nvPr/>
-        </p:nvCxnSpPr>
-        <p:spPr>
-          <a:xfrm flipV="1">
-            <a:off x="3962400" y="1559823"/>
-            <a:ext cx="3187422" cy="1602477"/>
-          </a:xfrm>
-          <a:prstGeom prst="bentConnector2">
-            <a:avLst/>
-          </a:prstGeom>
-          <a:ln w="38100">
-            <a:solidFill>
-              <a:schemeClr val="accent3">
-                <a:lumMod val="60000"/>
-                <a:lumOff val="40000"/>
-              </a:schemeClr>
-            </a:solidFill>
-          </a:ln>
-        </p:spPr>
-        <p:style>
-          <a:lnRef idx="1">
-            <a:schemeClr val="accent1"/>
-          </a:lnRef>
-          <a:fillRef idx="0">
-            <a:schemeClr val="accent1"/>
-          </a:fillRef>
-          <a:effectRef idx="0">
-            <a:schemeClr val="accent1"/>
-          </a:effectRef>
-          <a:fontRef idx="minor">
-            <a:schemeClr val="tx1"/>
-          </a:fontRef>
-        </p:style>
-      </p:cxnSp>
-      <p:cxnSp>
-        <p:nvCxnSpPr>
-          <p:cNvPr id="97" name="Elbow Connector 96"/>
-          <p:cNvCxnSpPr>
-            <a:stCxn id="7" idx="3"/>
-            <a:endCxn id="20" idx="3"/>
-          </p:cNvCxnSpPr>
-          <p:nvPr/>
-        </p:nvCxnSpPr>
-        <p:spPr>
-          <a:xfrm flipV="1">
-            <a:off x="3962400" y="1559823"/>
-            <a:ext cx="3187422" cy="1030977"/>
-          </a:xfrm>
-          <a:prstGeom prst="bentConnector2">
-            <a:avLst/>
-          </a:prstGeom>
-          <a:ln w="38100">
-            <a:solidFill>
-              <a:schemeClr val="accent3">
-                <a:lumMod val="60000"/>
-                <a:lumOff val="40000"/>
-              </a:schemeClr>
-            </a:solidFill>
-          </a:ln>
-        </p:spPr>
-        <p:style>
-          <a:lnRef idx="1">
-            <a:schemeClr val="accent1"/>
-          </a:lnRef>
-          <a:fillRef idx="0">
-            <a:schemeClr val="accent1"/>
-          </a:fillRef>
-          <a:effectRef idx="0">
-            <a:schemeClr val="accent1"/>
-          </a:effectRef>
-          <a:fontRef idx="minor">
-            <a:schemeClr val="tx1"/>
-          </a:fontRef>
-        </p:style>
-      </p:cxnSp>
-      <p:cxnSp>
-        <p:nvCxnSpPr>
-          <p:cNvPr id="115" name="Elbow Connector 114"/>
-          <p:cNvCxnSpPr>
-            <a:stCxn id="6" idx="3"/>
-            <a:endCxn id="20" idx="3"/>
-          </p:cNvCxnSpPr>
-          <p:nvPr/>
-        </p:nvCxnSpPr>
-        <p:spPr>
-          <a:xfrm flipV="1">
-            <a:off x="3200400" y="1559823"/>
-            <a:ext cx="3949422" cy="268977"/>
-          </a:xfrm>
-          <a:prstGeom prst="bentConnector2">
-            <a:avLst/>
-          </a:prstGeom>
-          <a:ln w="38100">
-            <a:solidFill>
-              <a:schemeClr val="accent3">
-                <a:lumMod val="60000"/>
-                <a:lumOff val="40000"/>
-              </a:schemeClr>
-            </a:solidFill>
-          </a:ln>
-        </p:spPr>
-        <p:style>
-          <a:lnRef idx="1">
-            <a:schemeClr val="accent1"/>
-          </a:lnRef>
-          <a:fillRef idx="0">
-            <a:schemeClr val="accent1"/>
-          </a:fillRef>
-          <a:effectRef idx="0">
-            <a:schemeClr val="accent1"/>
-          </a:effectRef>
-          <a:fontRef idx="minor">
-            <a:schemeClr val="tx1"/>
-          </a:fontRef>
-        </p:style>
-      </p:cxnSp>
-      <p:cxnSp>
-        <p:nvCxnSpPr>
-          <p:cNvPr id="118" name="Elbow Connector 117"/>
-          <p:cNvCxnSpPr/>
-          <p:nvPr/>
-        </p:nvCxnSpPr>
-        <p:spPr>
-          <a:xfrm flipV="1">
-            <a:off x="2514600" y="609600"/>
-            <a:ext cx="5474776" cy="226323"/>
+          <a:xfrm>
+            <a:off x="6803626" y="4577111"/>
+            <a:ext cx="1185748" cy="676291"/>
           </a:xfrm>
           <a:prstGeom prst="bentConnector3">
             <a:avLst>
-              <a:gd name="adj1" fmla="val 87"/>
-            </a:avLst>
-          </a:prstGeom>
-          <a:ln w="38100">
-            <a:solidFill>
-              <a:srgbClr val="00B050"/>
-            </a:solidFill>
-            <a:tailEnd type="triangle"/>
-          </a:ln>
-        </p:spPr>
-        <p:style>
-          <a:lnRef idx="1">
-            <a:schemeClr val="accent1"/>
-          </a:lnRef>
-          <a:fillRef idx="0">
-            <a:schemeClr val="accent1"/>
-          </a:fillRef>
-          <a:effectRef idx="0">
-            <a:schemeClr val="accent1"/>
-          </a:effectRef>
-          <a:fontRef idx="minor">
-            <a:schemeClr val="tx1"/>
-          </a:fontRef>
-        </p:style>
-      </p:cxnSp>
-      <p:sp>
-        <p:nvSpPr>
-          <p:cNvPr id="124" name="Rectangle 123"/>
-          <p:cNvSpPr/>
-          <p:nvPr/>
-        </p:nvSpPr>
-        <p:spPr>
-          <a:xfrm>
-            <a:off x="7035159" y="2055123"/>
-            <a:ext cx="249915" cy="266080"/>
-          </a:xfrm>
-          <a:prstGeom prst="rect">
-            <a:avLst/>
-          </a:prstGeom>
-          <a:solidFill>
-            <a:schemeClr val="accent3">
-              <a:lumMod val="20000"/>
-              <a:lumOff val="80000"/>
-              <a:alpha val="80000"/>
-            </a:schemeClr>
-          </a:solidFill>
-          <a:ln>
-            <a:noFill/>
-          </a:ln>
-          <a:effectLst>
-            <a:softEdge rad="31750"/>
-          </a:effectLst>
-        </p:spPr>
-        <p:style>
-          <a:lnRef idx="2">
-            <a:schemeClr val="accent1">
-              <a:shade val="50000"/>
-            </a:schemeClr>
-          </a:lnRef>
-          <a:fillRef idx="1">
-            <a:schemeClr val="accent1"/>
-          </a:fillRef>
-          <a:effectRef idx="0">
-            <a:schemeClr val="accent1"/>
-          </a:effectRef>
-          <a:fontRef idx="minor">
-            <a:schemeClr val="lt1"/>
-          </a:fontRef>
-        </p:style>
-        <p:txBody>
-          <a:bodyPr rtlCol="0" anchor="ctr"/>
-          <a:lstStyle/>
-          <a:p>
-            <a:pPr algn="ctr"/>
-            <a:endParaRPr lang="en-SG"/>
-          </a:p>
-        </p:txBody>
-      </p:sp>
-      <p:cxnSp>
-        <p:nvCxnSpPr>
-          <p:cNvPr id="123" name="Elbow Connector 122"/>
-          <p:cNvCxnSpPr>
-            <a:stCxn id="7" idx="0"/>
-          </p:cNvCxnSpPr>
-          <p:nvPr/>
-        </p:nvCxnSpPr>
-        <p:spPr>
-          <a:xfrm rot="5400000" flipH="1" flipV="1">
-            <a:off x="5518688" y="-70388"/>
-            <a:ext cx="190500" cy="4750876"/>
-          </a:xfrm>
-          <a:prstGeom prst="bentConnector2">
-            <a:avLst/>
-          </a:prstGeom>
-          <a:ln w="38100">
-            <a:solidFill>
-              <a:srgbClr val="00B050"/>
-            </a:solidFill>
-            <a:tailEnd type="triangle"/>
-          </a:ln>
-        </p:spPr>
-        <p:style>
-          <a:lnRef idx="1">
-            <a:schemeClr val="accent1"/>
-          </a:lnRef>
-          <a:fillRef idx="0">
-            <a:schemeClr val="accent1"/>
-          </a:fillRef>
-          <a:effectRef idx="0">
-            <a:schemeClr val="accent1"/>
-          </a:effectRef>
-          <a:fontRef idx="minor">
-            <a:schemeClr val="tx1"/>
-          </a:fontRef>
-        </p:style>
-      </p:cxnSp>
-      <p:sp>
-        <p:nvSpPr>
-          <p:cNvPr id="137" name="Rectangle 136"/>
-          <p:cNvSpPr/>
-          <p:nvPr/>
-        </p:nvSpPr>
-        <p:spPr>
-          <a:xfrm>
-            <a:off x="7045453" y="3769002"/>
-            <a:ext cx="239621" cy="283619"/>
-          </a:xfrm>
-          <a:prstGeom prst="rect">
-            <a:avLst/>
-          </a:prstGeom>
-          <a:solidFill>
-            <a:schemeClr val="accent3">
-              <a:lumMod val="20000"/>
-              <a:lumOff val="80000"/>
-              <a:alpha val="80000"/>
-            </a:schemeClr>
-          </a:solidFill>
-          <a:ln>
-            <a:noFill/>
-          </a:ln>
-          <a:effectLst>
-            <a:softEdge rad="31750"/>
-          </a:effectLst>
-        </p:spPr>
-        <p:style>
-          <a:lnRef idx="2">
-            <a:schemeClr val="accent1">
-              <a:shade val="50000"/>
-            </a:schemeClr>
-          </a:lnRef>
-          <a:fillRef idx="1">
-            <a:schemeClr val="accent1"/>
-          </a:fillRef>
-          <a:effectRef idx="0">
-            <a:schemeClr val="accent1"/>
-          </a:effectRef>
-          <a:fontRef idx="minor">
-            <a:schemeClr val="lt1"/>
-          </a:fontRef>
-        </p:style>
-        <p:txBody>
-          <a:bodyPr rtlCol="0" anchor="ctr"/>
-          <a:lstStyle/>
-          <a:p>
-            <a:pPr algn="ctr"/>
-            <a:endParaRPr lang="en-SG"/>
-          </a:p>
-        </p:txBody>
-      </p:sp>
-      <p:cxnSp>
-        <p:nvCxnSpPr>
-          <p:cNvPr id="130" name="Elbow Connector 129"/>
-          <p:cNvCxnSpPr>
-            <a:stCxn id="13" idx="0"/>
-          </p:cNvCxnSpPr>
-          <p:nvPr/>
-        </p:nvCxnSpPr>
-        <p:spPr>
-          <a:xfrm rot="16200000" flipH="1">
-            <a:off x="6136816" y="3121483"/>
-            <a:ext cx="935445" cy="2769678"/>
-          </a:xfrm>
-          <a:prstGeom prst="bentConnector4">
-            <a:avLst>
-              <a:gd name="adj1" fmla="val -13576"/>
-              <a:gd name="adj2" fmla="val 82785"/>
+              <a:gd name="adj1" fmla="val 50000"/>
             </a:avLst>
           </a:prstGeom>
           <a:ln w="38100">
